--- a/REU/willPoster/Poster.pptx
+++ b/REU/willPoster/Poster.pptx
@@ -223,7 +223,7 @@
           <a:p>
             <a:fld id="{2AEB8B8D-A32C-491D-BDB7-6E4EEE859BE6}" type="datetimeFigureOut">
               <a:rPr lang="en-US" smtClean="0"/>
-              <a:t>8/10/2021</a:t>
+              <a:t>8/11/2021</a:t>
             </a:fld>
             <a:endParaRPr lang="en-US"/>
           </a:p>
@@ -721,7 +721,7 @@
           <a:p>
             <a:fld id="{4E17980A-9013-4637-B068-7A8A10A1A1C7}" type="datetimeFigureOut">
               <a:rPr lang="en-US" smtClean="0"/>
-              <a:t>8/10/2021</a:t>
+              <a:t>8/11/2021</a:t>
             </a:fld>
             <a:endParaRPr lang="en-US"/>
           </a:p>
@@ -919,7 +919,7 @@
           <a:p>
             <a:fld id="{4E17980A-9013-4637-B068-7A8A10A1A1C7}" type="datetimeFigureOut">
               <a:rPr lang="en-US" smtClean="0"/>
-              <a:t>8/10/2021</a:t>
+              <a:t>8/11/2021</a:t>
             </a:fld>
             <a:endParaRPr lang="en-US"/>
           </a:p>
@@ -1127,7 +1127,7 @@
           <a:p>
             <a:fld id="{4E17980A-9013-4637-B068-7A8A10A1A1C7}" type="datetimeFigureOut">
               <a:rPr lang="en-US" smtClean="0"/>
-              <a:t>8/10/2021</a:t>
+              <a:t>8/11/2021</a:t>
             </a:fld>
             <a:endParaRPr lang="en-US"/>
           </a:p>
@@ -1325,7 +1325,7 @@
           <a:p>
             <a:fld id="{4E17980A-9013-4637-B068-7A8A10A1A1C7}" type="datetimeFigureOut">
               <a:rPr lang="en-US" smtClean="0"/>
-              <a:t>8/10/2021</a:t>
+              <a:t>8/11/2021</a:t>
             </a:fld>
             <a:endParaRPr lang="en-US"/>
           </a:p>
@@ -1600,7 +1600,7 @@
           <a:p>
             <a:fld id="{4E17980A-9013-4637-B068-7A8A10A1A1C7}" type="datetimeFigureOut">
               <a:rPr lang="en-US" smtClean="0"/>
-              <a:t>8/10/2021</a:t>
+              <a:t>8/11/2021</a:t>
             </a:fld>
             <a:endParaRPr lang="en-US"/>
           </a:p>
@@ -1865,7 +1865,7 @@
           <a:p>
             <a:fld id="{4E17980A-9013-4637-B068-7A8A10A1A1C7}" type="datetimeFigureOut">
               <a:rPr lang="en-US" smtClean="0"/>
-              <a:t>8/10/2021</a:t>
+              <a:t>8/11/2021</a:t>
             </a:fld>
             <a:endParaRPr lang="en-US"/>
           </a:p>
@@ -2277,7 +2277,7 @@
           <a:p>
             <a:fld id="{4E17980A-9013-4637-B068-7A8A10A1A1C7}" type="datetimeFigureOut">
               <a:rPr lang="en-US" smtClean="0"/>
-              <a:t>8/10/2021</a:t>
+              <a:t>8/11/2021</a:t>
             </a:fld>
             <a:endParaRPr lang="en-US"/>
           </a:p>
@@ -2418,7 +2418,7 @@
           <a:p>
             <a:fld id="{4E17980A-9013-4637-B068-7A8A10A1A1C7}" type="datetimeFigureOut">
               <a:rPr lang="en-US" smtClean="0"/>
-              <a:t>8/10/2021</a:t>
+              <a:t>8/11/2021</a:t>
             </a:fld>
             <a:endParaRPr lang="en-US"/>
           </a:p>
@@ -2531,7 +2531,7 @@
           <a:p>
             <a:fld id="{4E17980A-9013-4637-B068-7A8A10A1A1C7}" type="datetimeFigureOut">
               <a:rPr lang="en-US" smtClean="0"/>
-              <a:t>8/10/2021</a:t>
+              <a:t>8/11/2021</a:t>
             </a:fld>
             <a:endParaRPr lang="en-US"/>
           </a:p>
@@ -2842,7 +2842,7 @@
           <a:p>
             <a:fld id="{4E17980A-9013-4637-B068-7A8A10A1A1C7}" type="datetimeFigureOut">
               <a:rPr lang="en-US" smtClean="0"/>
-              <a:t>8/10/2021</a:t>
+              <a:t>8/11/2021</a:t>
             </a:fld>
             <a:endParaRPr lang="en-US"/>
           </a:p>
@@ -3130,7 +3130,7 @@
           <a:p>
             <a:fld id="{4E17980A-9013-4637-B068-7A8A10A1A1C7}" type="datetimeFigureOut">
               <a:rPr lang="en-US" smtClean="0"/>
-              <a:t>8/10/2021</a:t>
+              <a:t>8/11/2021</a:t>
             </a:fld>
             <a:endParaRPr lang="en-US"/>
           </a:p>
@@ -3371,7 +3371,7 @@
           <a:p>
             <a:fld id="{4E17980A-9013-4637-B068-7A8A10A1A1C7}" type="datetimeFigureOut">
               <a:rPr lang="en-US" smtClean="0"/>
-              <a:t>8/10/2021</a:t>
+              <a:t>8/11/2021</a:t>
             </a:fld>
             <a:endParaRPr lang="en-US"/>
           </a:p>
@@ -3788,6 +3788,137 @@
           <a:chExt cx="0" cy="0"/>
         </a:xfrm>
       </p:grpSpPr>
+      <p:sp>
+        <p:nvSpPr>
+          <p:cNvPr id="122" name="Flowchart: Merge 121">
+            <a:extLst>
+              <a:ext uri="{FF2B5EF4-FFF2-40B4-BE49-F238E27FC236}">
+                <a16:creationId xmlns:a16="http://schemas.microsoft.com/office/drawing/2014/main" id="{0E4679BA-EA01-4C3C-978C-ACD0399772F7}"/>
+              </a:ext>
+            </a:extLst>
+          </p:cNvPr>
+          <p:cNvSpPr/>
+          <p:nvPr/>
+        </p:nvSpPr>
+        <p:spPr>
+          <a:xfrm flipV="1">
+            <a:off x="17647931" y="12265906"/>
+            <a:ext cx="352882" cy="326525"/>
+          </a:xfrm>
+          <a:prstGeom prst="flowChartMerge">
+            <a:avLst/>
+          </a:prstGeom>
+        </p:spPr>
+        <p:style>
+          <a:lnRef idx="2">
+            <a:schemeClr val="accent1">
+              <a:shade val="50000"/>
+            </a:schemeClr>
+          </a:lnRef>
+          <a:fillRef idx="1">
+            <a:schemeClr val="accent1"/>
+          </a:fillRef>
+          <a:effectRef idx="0">
+            <a:schemeClr val="accent1"/>
+          </a:effectRef>
+          <a:fontRef idx="minor">
+            <a:schemeClr val="lt1"/>
+          </a:fontRef>
+        </p:style>
+        <p:txBody>
+          <a:bodyPr rtlCol="0" anchor="ctr"/>
+          <a:lstStyle/>
+          <a:p>
+            <a:pPr algn="ctr"/>
+            <a:endParaRPr lang="en-US"/>
+          </a:p>
+        </p:txBody>
+      </p:sp>
+      <p:sp>
+        <p:nvSpPr>
+          <p:cNvPr id="127" name="Flowchart: Merge 126">
+            <a:extLst>
+              <a:ext uri="{FF2B5EF4-FFF2-40B4-BE49-F238E27FC236}">
+                <a16:creationId xmlns:a16="http://schemas.microsoft.com/office/drawing/2014/main" id="{E5800DE8-E5A7-4F2A-A5BD-6DF109B506B2}"/>
+              </a:ext>
+            </a:extLst>
+          </p:cNvPr>
+          <p:cNvSpPr/>
+          <p:nvPr/>
+        </p:nvSpPr>
+        <p:spPr>
+          <a:xfrm>
+            <a:off x="17649707" y="11467230"/>
+            <a:ext cx="352882" cy="356006"/>
+          </a:xfrm>
+          <a:prstGeom prst="flowChartMerge">
+            <a:avLst/>
+          </a:prstGeom>
+        </p:spPr>
+        <p:style>
+          <a:lnRef idx="2">
+            <a:schemeClr val="accent1">
+              <a:shade val="50000"/>
+            </a:schemeClr>
+          </a:lnRef>
+          <a:fillRef idx="1">
+            <a:schemeClr val="accent1"/>
+          </a:fillRef>
+          <a:effectRef idx="0">
+            <a:schemeClr val="accent1"/>
+          </a:effectRef>
+          <a:fontRef idx="minor">
+            <a:schemeClr val="lt1"/>
+          </a:fontRef>
+        </p:style>
+        <p:txBody>
+          <a:bodyPr rtlCol="0" anchor="ctr"/>
+          <a:lstStyle/>
+          <a:p>
+            <a:pPr algn="ctr"/>
+            <a:endParaRPr lang="en-US"/>
+          </a:p>
+        </p:txBody>
+      </p:sp>
+      <p:cxnSp>
+        <p:nvCxnSpPr>
+          <p:cNvPr id="118" name="Straight Connector 117">
+            <a:extLst>
+              <a:ext uri="{FF2B5EF4-FFF2-40B4-BE49-F238E27FC236}">
+                <a16:creationId xmlns:a16="http://schemas.microsoft.com/office/drawing/2014/main" id="{23375813-6893-49D4-AFC3-CF4EA2A3678C}"/>
+              </a:ext>
+            </a:extLst>
+          </p:cNvPr>
+          <p:cNvCxnSpPr>
+            <a:cxnSpLocks/>
+          </p:cNvCxnSpPr>
+          <p:nvPr/>
+        </p:nvCxnSpPr>
+        <p:spPr>
+          <a:xfrm flipV="1">
+            <a:off x="17824250" y="16362102"/>
+            <a:ext cx="7407369" cy="20560"/>
+          </a:xfrm>
+          <a:prstGeom prst="line">
+            <a:avLst/>
+          </a:prstGeom>
+          <a:ln w="38100"/>
+        </p:spPr>
+        <p:style>
+          <a:lnRef idx="1">
+            <a:schemeClr val="accent1"/>
+          </a:lnRef>
+          <a:fillRef idx="0">
+            <a:schemeClr val="accent1"/>
+          </a:fillRef>
+          <a:effectRef idx="0">
+            <a:schemeClr val="accent1"/>
+          </a:effectRef>
+          <a:fontRef idx="minor">
+            <a:schemeClr val="tx1"/>
+          </a:fontRef>
+        </p:style>
+      </p:cxnSp>
       <p:cxnSp>
         <p:nvCxnSpPr>
           <p:cNvPr id="140" name="Straight Connector 139">
@@ -3961,240 +4092,218 @@
           </a:p>
         </p:txBody>
       </p:sp>
-      <p:grpSp>
-        <p:nvGrpSpPr>
-          <p:cNvPr id="136" name="Group 135">
-            <a:extLst>
-              <a:ext uri="{FF2B5EF4-FFF2-40B4-BE49-F238E27FC236}">
-                <a16:creationId xmlns:a16="http://schemas.microsoft.com/office/drawing/2014/main" id="{D79B12E8-9D97-4AB1-99B8-331A17567EC4}"/>
-              </a:ext>
-            </a:extLst>
-          </p:cNvPr>
-          <p:cNvGrpSpPr/>
+      <p:cxnSp>
+        <p:nvCxnSpPr>
+          <p:cNvPr id="65" name="Straight Connector 64">
+            <a:extLst>
+              <a:ext uri="{FF2B5EF4-FFF2-40B4-BE49-F238E27FC236}">
+                <a16:creationId xmlns:a16="http://schemas.microsoft.com/office/drawing/2014/main" id="{AD6D0B3A-AA73-40B2-84F3-EA6E674AD726}"/>
+              </a:ext>
+            </a:extLst>
+          </p:cNvPr>
+          <p:cNvCxnSpPr>
+            <a:cxnSpLocks/>
+          </p:cNvCxnSpPr>
           <p:nvPr/>
-        </p:nvGrpSpPr>
-        <p:grpSpPr>
-          <a:xfrm>
-            <a:off x="17299818" y="16368988"/>
-            <a:ext cx="1099653" cy="3595822"/>
-            <a:chOff x="17299818" y="16368988"/>
-            <a:chExt cx="1099653" cy="3595822"/>
+        </p:nvCxnSpPr>
+        <p:spPr>
+          <a:xfrm flipH="1" flipV="1">
+            <a:off x="17843363" y="16368988"/>
+            <a:ext cx="4321" cy="2514600"/>
           </a:xfrm>
-        </p:grpSpPr>
-        <p:cxnSp>
-          <p:nvCxnSpPr>
-            <p:cNvPr id="65" name="Straight Connector 64">
-              <a:extLst>
-                <a:ext uri="{FF2B5EF4-FFF2-40B4-BE49-F238E27FC236}">
-                  <a16:creationId xmlns:a16="http://schemas.microsoft.com/office/drawing/2014/main" id="{AD6D0B3A-AA73-40B2-84F3-EA6E674AD726}"/>
-                </a:ext>
-              </a:extLst>
-            </p:cNvPr>
-            <p:cNvCxnSpPr>
-              <a:cxnSpLocks/>
-            </p:cNvCxnSpPr>
-            <p:nvPr/>
-          </p:nvCxnSpPr>
-          <p:spPr>
-            <a:xfrm flipH="1" flipV="1">
-              <a:off x="17831171" y="16368988"/>
-              <a:ext cx="4321" cy="2514600"/>
-            </a:xfrm>
-            <a:prstGeom prst="line">
-              <a:avLst/>
-            </a:prstGeom>
-            <a:ln w="38100"/>
-          </p:spPr>
-          <p:style>
-            <a:lnRef idx="1">
-              <a:schemeClr val="accent1"/>
-            </a:lnRef>
-            <a:fillRef idx="0">
-              <a:schemeClr val="accent1"/>
-            </a:fillRef>
-            <a:effectRef idx="0">
-              <a:schemeClr val="accent1"/>
-            </a:effectRef>
-            <a:fontRef idx="minor">
-              <a:schemeClr val="tx1"/>
-            </a:fontRef>
-          </p:style>
-        </p:cxnSp>
-        <p:sp>
-          <p:nvSpPr>
-            <p:cNvPr id="87" name="Rectangle 86">
-              <a:extLst>
-                <a:ext uri="{FF2B5EF4-FFF2-40B4-BE49-F238E27FC236}">
-                  <a16:creationId xmlns:a16="http://schemas.microsoft.com/office/drawing/2014/main" id="{289AF059-73E4-438D-88A2-B7DBF5760D69}"/>
-                </a:ext>
-              </a:extLst>
-            </p:cNvPr>
-            <p:cNvSpPr/>
-            <p:nvPr/>
-          </p:nvSpPr>
-          <p:spPr>
-            <a:xfrm rot="5400000">
-              <a:off x="17755354" y="17945756"/>
-              <a:ext cx="188581" cy="1099653"/>
-            </a:xfrm>
-            <a:prstGeom prst="rect">
-              <a:avLst/>
-            </a:prstGeom>
+          <a:prstGeom prst="line">
+            <a:avLst/>
+          </a:prstGeom>
+          <a:ln w="38100"/>
+        </p:spPr>
+        <p:style>
+          <a:lnRef idx="1">
+            <a:schemeClr val="accent1"/>
+          </a:lnRef>
+          <a:fillRef idx="0">
+            <a:schemeClr val="accent1"/>
+          </a:fillRef>
+          <a:effectRef idx="0">
+            <a:schemeClr val="accent1"/>
+          </a:effectRef>
+          <a:fontRef idx="minor">
+            <a:schemeClr val="tx1"/>
+          </a:fontRef>
+        </p:style>
+      </p:cxnSp>
+      <p:sp>
+        <p:nvSpPr>
+          <p:cNvPr id="87" name="Rectangle 86">
+            <a:extLst>
+              <a:ext uri="{FF2B5EF4-FFF2-40B4-BE49-F238E27FC236}">
+                <a16:creationId xmlns:a16="http://schemas.microsoft.com/office/drawing/2014/main" id="{289AF059-73E4-438D-88A2-B7DBF5760D69}"/>
+              </a:ext>
+            </a:extLst>
+          </p:cNvPr>
+          <p:cNvSpPr/>
+          <p:nvPr/>
+        </p:nvSpPr>
+        <p:spPr>
+          <a:xfrm rot="5400000">
+            <a:off x="17767546" y="17945756"/>
+            <a:ext cx="188581" cy="1099653"/>
+          </a:xfrm>
+          <a:prstGeom prst="rect">
+            <a:avLst/>
+          </a:prstGeom>
+          <a:solidFill>
+            <a:schemeClr val="tx1"/>
+          </a:solidFill>
+          <a:ln w="28575">
+            <a:noFill/>
+          </a:ln>
+        </p:spPr>
+        <p:style>
+          <a:lnRef idx="2">
+            <a:schemeClr val="accent1">
+              <a:shade val="50000"/>
+            </a:schemeClr>
+          </a:lnRef>
+          <a:fillRef idx="1">
+            <a:schemeClr val="accent1"/>
+          </a:fillRef>
+          <a:effectRef idx="0">
+            <a:schemeClr val="accent1"/>
+          </a:effectRef>
+          <a:fontRef idx="minor">
+            <a:schemeClr val="lt1"/>
+          </a:fontRef>
+        </p:style>
+        <p:txBody>
+          <a:bodyPr rtlCol="0" anchor="ctr"/>
+          <a:lstStyle/>
+          <a:p>
+            <a:pPr algn="ctr"/>
+            <a:endParaRPr lang="en-US"/>
+          </a:p>
+        </p:txBody>
+      </p:sp>
+      <p:sp>
+        <p:nvSpPr>
+          <p:cNvPr id="69" name="Partial Circle 68">
+            <a:extLst>
+              <a:ext uri="{FF2B5EF4-FFF2-40B4-BE49-F238E27FC236}">
+                <a16:creationId xmlns:a16="http://schemas.microsoft.com/office/drawing/2014/main" id="{76793560-9D5A-436D-A5CE-A11F1D91C2A3}"/>
+              </a:ext>
+            </a:extLst>
+          </p:cNvPr>
+          <p:cNvSpPr/>
+          <p:nvPr/>
+        </p:nvSpPr>
+        <p:spPr>
+          <a:xfrm rot="10800000">
+            <a:off x="17549842" y="18113419"/>
+            <a:ext cx="624840" cy="578403"/>
+          </a:xfrm>
+          <a:prstGeom prst="pie">
+            <a:avLst>
+              <a:gd name="adj1" fmla="val 0"/>
+              <a:gd name="adj2" fmla="val 10800000"/>
+            </a:avLst>
+          </a:prstGeom>
+          <a:gradFill flip="none" rotWithShape="1">
+            <a:gsLst>
+              <a:gs pos="64000">
+                <a:schemeClr val="accent1"/>
+              </a:gs>
+              <a:gs pos="10000">
+                <a:schemeClr val="bg1">
+                  <a:lumMod val="95000"/>
+                  <a:alpha val="99000"/>
+                </a:schemeClr>
+              </a:gs>
+              <a:gs pos="100000">
+                <a:schemeClr val="accent1"/>
+              </a:gs>
+            </a:gsLst>
+            <a:path path="circle">
+              <a:fillToRect l="100000" t="100000"/>
+            </a:path>
+            <a:tileRect r="-100000" b="-100000"/>
+          </a:gradFill>
+          <a:ln>
             <a:solidFill>
-              <a:schemeClr val="tx1"/>
-            </a:solidFill>
-            <a:ln w="28575">
-              <a:noFill/>
-            </a:ln>
-          </p:spPr>
-          <p:style>
-            <a:lnRef idx="2">
               <a:schemeClr val="accent1">
                 <a:shade val="50000"/>
+                <a:alpha val="93000"/>
               </a:schemeClr>
-            </a:lnRef>
-            <a:fillRef idx="1">
-              <a:schemeClr val="accent1"/>
-            </a:fillRef>
-            <a:effectRef idx="0">
-              <a:schemeClr val="accent1"/>
-            </a:effectRef>
-            <a:fontRef idx="minor">
-              <a:schemeClr val="lt1"/>
-            </a:fontRef>
-          </p:style>
-          <p:txBody>
-            <a:bodyPr rtlCol="0" anchor="ctr"/>
-            <a:lstStyle/>
-            <a:p>
-              <a:pPr algn="ctr"/>
-              <a:endParaRPr lang="en-US"/>
-            </a:p>
-          </p:txBody>
-        </p:sp>
-        <p:sp>
-          <p:nvSpPr>
-            <p:cNvPr id="69" name="Partial Circle 68">
-              <a:extLst>
-                <a:ext uri="{FF2B5EF4-FFF2-40B4-BE49-F238E27FC236}">
-                  <a16:creationId xmlns:a16="http://schemas.microsoft.com/office/drawing/2014/main" id="{76793560-9D5A-436D-A5CE-A11F1D91C2A3}"/>
-                </a:ext>
-              </a:extLst>
-            </p:cNvPr>
-            <p:cNvSpPr/>
-            <p:nvPr/>
-          </p:nvSpPr>
-          <p:spPr>
-            <a:xfrm rot="10800000">
-              <a:off x="17537650" y="18113419"/>
-              <a:ext cx="624840" cy="578403"/>
-            </a:xfrm>
-            <a:prstGeom prst="pie">
-              <a:avLst>
-                <a:gd name="adj1" fmla="val 0"/>
-                <a:gd name="adj2" fmla="val 10800000"/>
-              </a:avLst>
-            </a:prstGeom>
-            <a:gradFill flip="none" rotWithShape="1">
-              <a:gsLst>
-                <a:gs pos="64000">
-                  <a:schemeClr val="accent1"/>
-                </a:gs>
-                <a:gs pos="10000">
-                  <a:schemeClr val="bg1">
-                    <a:lumMod val="95000"/>
-                    <a:alpha val="99000"/>
-                  </a:schemeClr>
-                </a:gs>
-                <a:gs pos="100000">
-                  <a:schemeClr val="accent1"/>
-                </a:gs>
-              </a:gsLst>
-              <a:path path="circle">
-                <a:fillToRect l="100000" t="100000"/>
-              </a:path>
-              <a:tileRect r="-100000" b="-100000"/>
-            </a:gradFill>
-            <a:ln>
+            </a:solidFill>
+          </a:ln>
+        </p:spPr>
+        <p:style>
+          <a:lnRef idx="2">
+            <a:schemeClr val="accent1">
+              <a:shade val="50000"/>
+            </a:schemeClr>
+          </a:lnRef>
+          <a:fillRef idx="1">
+            <a:schemeClr val="accent1"/>
+          </a:fillRef>
+          <a:effectRef idx="0">
+            <a:schemeClr val="accent1"/>
+          </a:effectRef>
+          <a:fontRef idx="minor">
+            <a:schemeClr val="lt1"/>
+          </a:fontRef>
+        </p:style>
+        <p:txBody>
+          <a:bodyPr rtlCol="0" anchor="ctr"/>
+          <a:lstStyle/>
+          <a:p>
+            <a:pPr algn="ctr"/>
+            <a:endParaRPr lang="en-US">
               <a:solidFill>
-                <a:schemeClr val="accent1">
-                  <a:shade val="50000"/>
-                  <a:alpha val="93000"/>
-                </a:schemeClr>
+                <a:schemeClr val="tx1"/>
               </a:solidFill>
-            </a:ln>
-          </p:spPr>
-          <p:style>
-            <a:lnRef idx="2">
-              <a:schemeClr val="accent1">
-                <a:shade val="50000"/>
-              </a:schemeClr>
-            </a:lnRef>
-            <a:fillRef idx="1">
-              <a:schemeClr val="accent1"/>
-            </a:fillRef>
-            <a:effectRef idx="0">
-              <a:schemeClr val="accent1"/>
-            </a:effectRef>
-            <a:fontRef idx="minor">
-              <a:schemeClr val="lt1"/>
-            </a:fontRef>
-          </p:style>
-          <p:txBody>
-            <a:bodyPr rtlCol="0" anchor="ctr"/>
-            <a:lstStyle/>
-            <a:p>
-              <a:pPr algn="ctr"/>
-              <a:endParaRPr lang="en-US">
-                <a:solidFill>
-                  <a:schemeClr val="tx1"/>
-                </a:solidFill>
-              </a:endParaRPr>
-            </a:p>
-          </p:txBody>
-        </p:sp>
-        <p:cxnSp>
-          <p:nvCxnSpPr>
-            <p:cNvPr id="92" name="Connector: Elbow 91">
-              <a:extLst>
-                <a:ext uri="{FF2B5EF4-FFF2-40B4-BE49-F238E27FC236}">
-                  <a16:creationId xmlns:a16="http://schemas.microsoft.com/office/drawing/2014/main" id="{EFCA7C13-B85D-40F3-A429-C958A0C40245}"/>
-                </a:ext>
-              </a:extLst>
-            </p:cNvPr>
-            <p:cNvCxnSpPr>
-              <a:cxnSpLocks/>
-            </p:cNvCxnSpPr>
-            <p:nvPr/>
-          </p:nvCxnSpPr>
-          <p:spPr>
-            <a:xfrm rot="5400000" flipH="1" flipV="1">
-              <a:off x="16932956" y="19064775"/>
-              <a:ext cx="1441287" cy="358784"/>
-            </a:xfrm>
-            <a:prstGeom prst="bentConnector3">
-              <a:avLst>
-                <a:gd name="adj1" fmla="val 50000"/>
-              </a:avLst>
-            </a:prstGeom>
-            <a:ln w="152400"/>
-          </p:spPr>
-          <p:style>
-            <a:lnRef idx="1">
-              <a:schemeClr val="dk1"/>
-            </a:lnRef>
-            <a:fillRef idx="0">
-              <a:schemeClr val="dk1"/>
-            </a:fillRef>
-            <a:effectRef idx="0">
-              <a:schemeClr val="dk1"/>
-            </a:effectRef>
-            <a:fontRef idx="minor">
-              <a:schemeClr val="tx1"/>
-            </a:fontRef>
-          </p:style>
-        </p:cxnSp>
-      </p:grpSp>
+            </a:endParaRPr>
+          </a:p>
+        </p:txBody>
+      </p:sp>
+      <p:cxnSp>
+        <p:nvCxnSpPr>
+          <p:cNvPr id="92" name="Connector: Elbow 91">
+            <a:extLst>
+              <a:ext uri="{FF2B5EF4-FFF2-40B4-BE49-F238E27FC236}">
+                <a16:creationId xmlns:a16="http://schemas.microsoft.com/office/drawing/2014/main" id="{EFCA7C13-B85D-40F3-A429-C958A0C40245}"/>
+              </a:ext>
+            </a:extLst>
+          </p:cNvPr>
+          <p:cNvCxnSpPr>
+            <a:cxnSpLocks/>
+            <a:stCxn id="13" idx="1"/>
+          </p:cNvCxnSpPr>
+          <p:nvPr/>
+        </p:nvCxnSpPr>
+        <p:spPr>
+          <a:xfrm rot="10800000">
+            <a:off x="17845185" y="18523531"/>
+            <a:ext cx="1235268" cy="1974201"/>
+          </a:xfrm>
+          <a:prstGeom prst="bentConnector2">
+            <a:avLst/>
+          </a:prstGeom>
+          <a:ln w="152400"/>
+        </p:spPr>
+        <p:style>
+          <a:lnRef idx="1">
+            <a:schemeClr val="dk1"/>
+          </a:lnRef>
+          <a:fillRef idx="0">
+            <a:schemeClr val="dk1"/>
+          </a:fillRef>
+          <a:effectRef idx="0">
+            <a:schemeClr val="dk1"/>
+          </a:effectRef>
+          <a:fontRef idx="minor">
+            <a:schemeClr val="tx1"/>
+          </a:fontRef>
+        </p:style>
+      </p:cxnSp>
       <p:cxnSp>
         <p:nvCxnSpPr>
           <p:cNvPr id="67" name="Straight Connector 66">
@@ -4418,8 +4527,8 @@
           </a:p>
         </p:txBody>
       </p:sp>
-      <mc:AlternateContent xmlns:mc="http://schemas.openxmlformats.org/markup-compatibility/2006">
-        <mc:Choice xmlns:a14="http://schemas.microsoft.com/office/drawing/2010/main" Requires="a14">
+      <mc:AlternateContent xmlns:mc="http://schemas.openxmlformats.org/markup-compatibility/2006" xmlns:a14="http://schemas.microsoft.com/office/drawing/2010/main">
+        <mc:Choice Requires="a14">
           <p:sp>
             <p:nvSpPr>
               <p:cNvPr id="58" name="TextBox 57">
@@ -4448,6 +4557,7 @@
               </a:bodyPr>
               <a:lstStyle/>
               <a:p>
+                <a:pPr/>
                 <a14:m>
                   <m:oMathPara xmlns:m="http://schemas.openxmlformats.org/officeDocument/2006/math">
                     <m:oMathParaPr>
@@ -4487,7 +4597,7 @@
             </p:txBody>
           </p:sp>
         </mc:Choice>
-        <mc:Fallback>
+        <mc:Fallback xmlns="">
           <p:sp>
             <p:nvSpPr>
               <p:cNvPr id="58" name="TextBox 57">
@@ -4649,8 +4759,8 @@
           </a:p>
         </p:txBody>
       </p:sp>
-      <mc:AlternateContent xmlns:mc="http://schemas.openxmlformats.org/markup-compatibility/2006">
-        <mc:Choice xmlns:a14="http://schemas.microsoft.com/office/drawing/2010/main" Requires="a14">
+      <mc:AlternateContent xmlns:mc="http://schemas.openxmlformats.org/markup-compatibility/2006" xmlns:a14="http://schemas.microsoft.com/office/drawing/2010/main">
+        <mc:Choice Requires="a14">
           <p:sp>
             <p:nvSpPr>
               <p:cNvPr id="84" name="TextBox 83">
@@ -4679,6 +4789,7 @@
               </a:bodyPr>
               <a:lstStyle/>
               <a:p>
+                <a:pPr/>
                 <a14:m>
                   <m:oMathPara xmlns:m="http://schemas.openxmlformats.org/officeDocument/2006/math">
                     <m:oMathParaPr>
@@ -4718,7 +4829,7 @@
             </p:txBody>
           </p:sp>
         </mc:Choice>
-        <mc:Fallback>
+        <mc:Fallback xmlns="">
           <p:sp>
             <p:nvSpPr>
               <p:cNvPr id="84" name="TextBox 83">
@@ -4763,8 +4874,8 @@
           </p:sp>
         </mc:Fallback>
       </mc:AlternateContent>
-      <mc:AlternateContent xmlns:mc="http://schemas.openxmlformats.org/markup-compatibility/2006">
-        <mc:Choice xmlns:a14="http://schemas.microsoft.com/office/drawing/2010/main" Requires="a14">
+      <mc:AlternateContent xmlns:mc="http://schemas.openxmlformats.org/markup-compatibility/2006" xmlns:a14="http://schemas.microsoft.com/office/drawing/2010/main">
+        <mc:Choice Requires="a14">
           <p:sp>
             <p:nvSpPr>
               <p:cNvPr id="85" name="TextBox 84">
@@ -4793,6 +4904,7 @@
               </a:bodyPr>
               <a:lstStyle/>
               <a:p>
+                <a:pPr/>
                 <a14:m>
                   <m:oMathPara xmlns:m="http://schemas.openxmlformats.org/officeDocument/2006/math">
                     <m:oMathParaPr>
@@ -4832,7 +4944,7 @@
             </p:txBody>
           </p:sp>
         </mc:Choice>
-        <mc:Fallback>
+        <mc:Fallback xmlns="">
           <p:sp>
             <p:nvSpPr>
               <p:cNvPr id="85" name="TextBox 84">
@@ -5503,45 +5615,6 @@
       </p:sp>
       <p:sp>
         <p:nvSpPr>
-          <p:cNvPr id="12" name="TextBox 11">
-            <a:extLst>
-              <a:ext uri="{FF2B5EF4-FFF2-40B4-BE49-F238E27FC236}">
-                <a16:creationId xmlns:a16="http://schemas.microsoft.com/office/drawing/2014/main" id="{692F087E-1A54-48C5-B928-D172922D681D}"/>
-              </a:ext>
-            </a:extLst>
-          </p:cNvPr>
-          <p:cNvSpPr txBox="1"/>
-          <p:nvPr/>
-        </p:nvSpPr>
-        <p:spPr>
-          <a:xfrm>
-            <a:off x="3627723" y="15958908"/>
-            <a:ext cx="5511363" cy="430887"/>
-          </a:xfrm>
-          <a:prstGeom prst="rect">
-            <a:avLst/>
-          </a:prstGeom>
-          <a:noFill/>
-        </p:spPr>
-        <p:txBody>
-          <a:bodyPr wrap="square" rtlCol="0">
-            <a:spAutoFit/>
-          </a:bodyPr>
-          <a:lstStyle/>
-          <a:p>
-            <a:r>
-              <a:rPr lang="en-US" sz="2200" dirty="0">
-                <a:solidFill>
-                  <a:schemeClr val="bg1"/>
-                </a:solidFill>
-              </a:rPr>
-              <a:t>ECDL is an important part of our project</a:t>
-            </a:r>
-          </a:p>
-        </p:txBody>
-      </p:sp>
-      <p:sp>
-        <p:nvSpPr>
           <p:cNvPr id="22" name="TextBox 21">
             <a:extLst>
               <a:ext uri="{FF2B5EF4-FFF2-40B4-BE49-F238E27FC236}">
@@ -5688,7 +5761,7 @@
         <p:spPr>
           <a:xfrm>
             <a:off x="2061460" y="7032752"/>
-            <a:ext cx="14263744" cy="7541430"/>
+            <a:ext cx="14263744" cy="5607452"/>
           </a:xfrm>
           <a:prstGeom prst="rect">
             <a:avLst/>
@@ -5716,12 +5789,12 @@
           <a:p>
             <a:pPr defTabSz="914400"/>
             <a:r>
-              <a:rPr lang="en-US" sz="2800" dirty="0">
+              <a:rPr lang="en-US" sz="2400" dirty="0">
                 <a:latin typeface="Univers" panose="020B0503020202020204" pitchFamily="34" charset="0"/>
               </a:rPr>
               <a:t>	Tuning external-cavity diode lasers to the D2 transitions of Rb or K maximizes the rotation of linearly polarized light due to the Faraday effect; which allowed measurement of small magnetic fields produced by the spin-polarized nuclei. To accomplish this goal, the laser frequencies must remain stable over long periods of time due to various environmental changes. We performed diagnostic interferometry to determine the rate of frequency drift and to locate the D2 transition frequencies via custom methods of automation on data acquisition and laser parameter control. Then, using the doppler free absorption spectrum of Rb or K as a feedback mechanism, a lock-in technique was used to generate an error signal and a PID feedback system allowed us to minimize the frequency drift of our ECDL to provide sufficient laser frequency stability for the Faraday rotation experiment.</a:t>
             </a:r>
-            <a:endParaRPr lang="en-US" sz="2800" dirty="0"/>
+            <a:endParaRPr lang="en-US" sz="2400" dirty="0"/>
           </a:p>
         </p:txBody>
       </p:sp>
@@ -5739,8 +5812,8 @@
         </p:nvSpPr>
         <p:spPr>
           <a:xfrm>
-            <a:off x="6020620" y="6430349"/>
-            <a:ext cx="5807964" cy="1209242"/>
+            <a:off x="6614980" y="6593879"/>
+            <a:ext cx="5206496" cy="830997"/>
           </a:xfrm>
           <a:prstGeom prst="rect">
             <a:avLst/>
@@ -5762,11 +5835,14 @@
           <a:p>
             <a:pPr algn="ctr"/>
             <a:r>
-              <a:rPr lang="en-US" dirty="0">
+              <a:rPr lang="en-US" sz="4800" dirty="0">
                 <a:latin typeface="+mj-lt"/>
               </a:rPr>
               <a:t>Abstract</a:t>
             </a:r>
+            <a:endParaRPr lang="en-US" dirty="0">
+              <a:latin typeface="+mj-lt"/>
+            </a:endParaRPr>
           </a:p>
         </p:txBody>
       </p:sp>
@@ -6380,8 +6456,8 @@
         </p:nvSpPr>
         <p:spPr>
           <a:xfrm>
-            <a:off x="3141653" y="17808148"/>
-            <a:ext cx="13647493" cy="4768270"/>
+            <a:off x="3141653" y="18370852"/>
+            <a:ext cx="13594449" cy="4286861"/>
           </a:xfrm>
           <a:prstGeom prst="rect">
             <a:avLst/>
@@ -6402,87 +6478,42 @@
           <a:lstStyle/>
           <a:p>
             <a:pPr defTabSz="914400"/>
+            <a:endParaRPr lang="en-US" sz="2400" dirty="0">
+              <a:latin typeface="Univers" panose="020B0503020202020204" pitchFamily="34" charset="0"/>
+            </a:endParaRPr>
+          </a:p>
+          <a:p>
+            <a:pPr defTabSz="914400"/>
             <a:r>
-              <a:rPr lang="en-US" sz="2800" dirty="0">
+              <a:rPr lang="en-US" sz="2400" dirty="0">
                 <a:latin typeface="Univers" panose="020B0503020202020204" pitchFamily="34" charset="0"/>
               </a:rPr>
-              <a:t>Section mini title. I think it’s clear that information about our laser and controller</a:t>
+              <a:t>	Various components within the laser itself have minimal coefficients of thermal expansion. Humidity, pressure, power supply, and mechanical vibrations also change the conditions within the laser casing inciting problematic frequency drift. </a:t>
             </a:r>
+          </a:p>
+          <a:p>
+            <a:pPr defTabSz="914400"/>
+            <a:endParaRPr lang="en-US" sz="2400" dirty="0">
+              <a:latin typeface="Univers" panose="020B0503020202020204" pitchFamily="34" charset="0"/>
+            </a:endParaRPr>
           </a:p>
           <a:p>
             <a:pPr defTabSz="914400"/>
             <a:r>
-              <a:rPr lang="en-US" sz="2800" dirty="0">
+              <a:rPr lang="en-US" sz="2400" dirty="0">
                 <a:latin typeface="Univers" panose="020B0503020202020204" pitchFamily="34" charset="0"/>
               </a:rPr>
-              <a:t>	Lorem ipsum dolor sit </a:t>
+              <a:t>	While tuning to a Rb transition can be done simply with an IR camera and sweeping through a range of the laser’s control parameters until the evacuated gas cylinder starts to glow infrared, that transition can be totally lost within about an hour. We want to avoid this for the longer Faraday rotation experiments where remaining on transition is imperative.</a:t>
             </a:r>
-            <a:r>
-              <a:rPr lang="en-US" sz="2800" dirty="0" err="1">
-                <a:latin typeface="Univers" panose="020B0503020202020204" pitchFamily="34" charset="0"/>
-              </a:rPr>
-              <a:t>amet</a:t>
-            </a:r>
-            <a:r>
-              <a:rPr lang="en-US" sz="2800" dirty="0">
-                <a:latin typeface="Univers" panose="020B0503020202020204" pitchFamily="34" charset="0"/>
-              </a:rPr>
-              <a:t>, </a:t>
-            </a:r>
-            <a:r>
-              <a:rPr lang="en-US" sz="2800" dirty="0" err="1">
-                <a:latin typeface="Univers" panose="020B0503020202020204" pitchFamily="34" charset="0"/>
-              </a:rPr>
-              <a:t>consectetur</a:t>
-            </a:r>
-            <a:r>
-              <a:rPr lang="en-US" sz="2800" dirty="0">
-                <a:latin typeface="Univers" panose="020B0503020202020204" pitchFamily="34" charset="0"/>
-              </a:rPr>
-              <a:t> </a:t>
-            </a:r>
-            <a:r>
-              <a:rPr lang="en-US" sz="2800" dirty="0" err="1">
-                <a:latin typeface="Univers" panose="020B0503020202020204" pitchFamily="34" charset="0"/>
-              </a:rPr>
-              <a:t>adipiscing</a:t>
-            </a:r>
-            <a:r>
-              <a:rPr lang="en-US" sz="2800" dirty="0">
-                <a:latin typeface="Univers" panose="020B0503020202020204" pitchFamily="34" charset="0"/>
-              </a:rPr>
-              <a:t> </a:t>
-            </a:r>
-            <a:r>
-              <a:rPr lang="en-US" sz="2800" dirty="0" err="1">
-                <a:latin typeface="Univers" panose="020B0503020202020204" pitchFamily="34" charset="0"/>
-              </a:rPr>
-              <a:t>elit</a:t>
-            </a:r>
-            <a:r>
-              <a:rPr lang="en-US" sz="2800" dirty="0">
-                <a:latin typeface="Univers" panose="020B0503020202020204" pitchFamily="34" charset="0"/>
-              </a:rPr>
-              <a:t>, sed do </a:t>
-            </a:r>
-            <a:r>
-              <a:rPr lang="en-US" sz="2800" dirty="0" err="1">
-                <a:latin typeface="Univers" panose="020B0503020202020204" pitchFamily="34" charset="0"/>
-              </a:rPr>
-              <a:t>eiusmod</a:t>
-            </a:r>
-            <a:endParaRPr lang="en-US" sz="2800" dirty="0">
-              <a:latin typeface="Univers" panose="020B0503020202020204" pitchFamily="34" charset="0"/>
-            </a:endParaRPr>
-          </a:p>
-        </p:txBody>
-      </p:sp>
-      <p:sp>
-        <p:nvSpPr>
-          <p:cNvPr id="80" name="TextBox 79">
-            <a:extLst>
-              <a:ext uri="{FF2B5EF4-FFF2-40B4-BE49-F238E27FC236}">
-                <a16:creationId xmlns:a16="http://schemas.microsoft.com/office/drawing/2014/main" id="{97ECB86D-B772-4D36-9FCC-1F3B914F7029}"/>
+          </a:p>
+        </p:txBody>
+      </p:sp>
+      <p:sp>
+        <p:nvSpPr>
+          <p:cNvPr id="82" name="TextBox 81">
+            <a:extLst>
+              <a:ext uri="{FF2B5EF4-FFF2-40B4-BE49-F238E27FC236}">
+                <a16:creationId xmlns:a16="http://schemas.microsoft.com/office/drawing/2014/main" id="{526B35AA-ECC0-497F-988B-F5438455428E}"/>
               </a:ext>
             </a:extLst>
           </p:cNvPr>
@@ -6491,144 +6522,7 @@
         </p:nvSpPr>
         <p:spPr>
           <a:xfrm>
-            <a:off x="18987570" y="6788414"/>
-            <a:ext cx="10425630" cy="8545193"/>
-          </a:xfrm>
-          <a:prstGeom prst="rect">
-            <a:avLst/>
-          </a:prstGeom>
-          <a:solidFill>
-            <a:schemeClr val="bg1"/>
-          </a:solidFill>
-          <a:ln w="76200">
-            <a:solidFill>
-              <a:schemeClr val="accent2"/>
-            </a:solidFill>
-          </a:ln>
-        </p:spPr>
-        <p:txBody>
-          <a:bodyPr wrap="square" lIns="457200" tIns="822960" rIns="457200" bIns="457200" rtlCol="0">
-            <a:noAutofit/>
-          </a:bodyPr>
-          <a:lstStyle/>
-          <a:p>
-            <a:pPr defTabSz="914400"/>
-            <a:r>
-              <a:rPr lang="en-US" sz="2800" dirty="0">
-                <a:latin typeface="+mj-lt"/>
-              </a:rPr>
-              <a:t>Rubidium, d2, and Doppler Free Spectroscopy</a:t>
-            </a:r>
-            <a:endParaRPr lang="en-US" sz="2800" dirty="0"/>
-          </a:p>
-          <a:p>
-            <a:pPr defTabSz="914400"/>
-            <a:endParaRPr lang="en-US" sz="2800" dirty="0">
-              <a:solidFill>
-                <a:schemeClr val="tx1"/>
-              </a:solidFill>
-            </a:endParaRPr>
-          </a:p>
-          <a:p>
-            <a:pPr defTabSz="914400"/>
-            <a:r>
-              <a:rPr lang="en-US" sz="2800" dirty="0"/>
-              <a:t>Importance of counter-propagation and a description of the usage of polarization</a:t>
-            </a:r>
-          </a:p>
-          <a:p>
-            <a:pPr defTabSz="914400"/>
-            <a:endParaRPr lang="en-US" sz="2800" dirty="0">
-              <a:solidFill>
-                <a:schemeClr val="tx1"/>
-              </a:solidFill>
-            </a:endParaRPr>
-          </a:p>
-          <a:p>
-            <a:pPr defTabSz="914400"/>
-            <a:endParaRPr lang="en-US" sz="2800" dirty="0">
-              <a:solidFill>
-                <a:schemeClr val="tx1"/>
-              </a:solidFill>
-            </a:endParaRPr>
-          </a:p>
-          <a:p>
-            <a:pPr defTabSz="914400"/>
-            <a:endParaRPr lang="en-US" sz="2800" dirty="0"/>
-          </a:p>
-          <a:p>
-            <a:pPr defTabSz="914400"/>
-            <a:r>
-              <a:rPr lang="en-US" sz="2800" dirty="0">
-                <a:solidFill>
-                  <a:schemeClr val="tx1"/>
-                </a:solidFill>
-              </a:rPr>
-              <a:t>Include the nice looking wavelength spectrum</a:t>
-            </a:r>
-          </a:p>
-        </p:txBody>
-      </p:sp>
-      <p:sp>
-        <p:nvSpPr>
-          <p:cNvPr id="81" name="TextBox 80">
-            <a:extLst>
-              <a:ext uri="{FF2B5EF4-FFF2-40B4-BE49-F238E27FC236}">
-                <a16:creationId xmlns:a16="http://schemas.microsoft.com/office/drawing/2014/main" id="{55C1CC81-F012-4C7B-918F-1DDA1D15DD55}"/>
-              </a:ext>
-            </a:extLst>
-          </p:cNvPr>
-          <p:cNvSpPr txBox="1"/>
-          <p:nvPr/>
-        </p:nvSpPr>
-        <p:spPr>
-          <a:xfrm>
-            <a:off x="20273781" y="6186011"/>
-            <a:ext cx="7580112" cy="1209242"/>
-          </a:xfrm>
-          <a:prstGeom prst="rect">
-            <a:avLst/>
-          </a:prstGeom>
-          <a:solidFill>
-            <a:schemeClr val="bg1"/>
-          </a:solidFill>
-          <a:ln w="76200">
-            <a:solidFill>
-              <a:schemeClr val="accent2"/>
-            </a:solidFill>
-          </a:ln>
-        </p:spPr>
-        <p:txBody>
-          <a:bodyPr wrap="square" rtlCol="0">
-            <a:spAutoFit/>
-          </a:bodyPr>
-          <a:lstStyle/>
-          <a:p>
-            <a:pPr algn="ctr"/>
-            <a:r>
-              <a:rPr lang="en-US" dirty="0">
-                <a:latin typeface="+mj-lt"/>
-              </a:rPr>
-              <a:t>Methods</a:t>
-            </a:r>
-          </a:p>
-        </p:txBody>
-      </p:sp>
-      <p:sp>
-        <p:nvSpPr>
-          <p:cNvPr id="82" name="TextBox 81">
-            <a:extLst>
-              <a:ext uri="{FF2B5EF4-FFF2-40B4-BE49-F238E27FC236}">
-                <a16:creationId xmlns:a16="http://schemas.microsoft.com/office/drawing/2014/main" id="{526B35AA-ECC0-497F-988B-F5438455428E}"/>
-              </a:ext>
-            </a:extLst>
-          </p:cNvPr>
-          <p:cNvSpPr txBox="1"/>
-          <p:nvPr/>
-        </p:nvSpPr>
-        <p:spPr>
-          <a:xfrm>
-            <a:off x="30111631" y="11510972"/>
+            <a:off x="30111631" y="11513190"/>
             <a:ext cx="12428446" cy="7880287"/>
           </a:xfrm>
           <a:prstGeom prst="rect">
@@ -6639,7 +6533,7 @@
           </a:solidFill>
           <a:ln w="76200">
             <a:solidFill>
-              <a:schemeClr val="accent2"/>
+              <a:schemeClr val="tx1"/>
             </a:solidFill>
           </a:ln>
         </p:spPr>
@@ -6649,26 +6543,15 @@
           </a:bodyPr>
           <a:lstStyle/>
           <a:p>
-            <a:pPr defTabSz="914400"/>
+            <a:pPr marL="0" indent="0" defTabSz="914400">
+              <a:buNone/>
+            </a:pPr>
             <a:r>
-              <a:rPr lang="en-US" sz="2800" dirty="0">
+              <a:rPr lang="en-US" sz="2400" dirty="0">
                 <a:latin typeface="Univers" panose="020B0503020202020204" pitchFamily="34" charset="0"/>
               </a:rPr>
-              <a:t>I could imagine some conversation about the </a:t>
+              <a:t>	Shining light through a scanning Fabry-Perot Interferometer and evaluating the phase shift of the timing of the flashes coming through gave us a measure of the drift velocity. </a:t>
             </a:r>
-            <a:r>
-              <a:rPr lang="en-US" sz="2800" dirty="0" err="1">
-                <a:latin typeface="Univers" panose="020B0503020202020204" pitchFamily="34" charset="0"/>
-              </a:rPr>
-              <a:t>fabry-perot</a:t>
-            </a:r>
-            <a:r>
-              <a:rPr lang="en-US" sz="2800" dirty="0">
-                <a:latin typeface="Univers" panose="020B0503020202020204" pitchFamily="34" charset="0"/>
-              </a:rPr>
-              <a:t> and the frequency drift experiment. Here would be a good place for numbers regarding different linewidths, free beam frequency drift, and perhaps a picture of the oscilloscope</a:t>
-            </a:r>
-            <a:endParaRPr lang="en-US" sz="2800" dirty="0"/>
           </a:p>
         </p:txBody>
       </p:sp>
@@ -6688,8 +6571,8 @@
             </p:nvSpPr>
             <p:spPr>
               <a:xfrm>
-                <a:off x="31671160" y="10908569"/>
-                <a:ext cx="9036292" cy="1209242"/>
+                <a:off x="32265520" y="11072099"/>
+                <a:ext cx="8100501" cy="830997"/>
               </a:xfrm>
               <a:prstGeom prst="rect">
                 <a:avLst/>
@@ -6711,7 +6594,7 @@
               <a:p>
                 <a:pPr algn="ctr"/>
                 <a:r>
-                  <a:rPr lang="en-US" dirty="0">
+                  <a:rPr lang="en-US" sz="4800" dirty="0">
                     <a:latin typeface="+mj-lt"/>
                   </a:rPr>
                   <a:t>Quantifying </a:t>
@@ -6719,7 +6602,7 @@
                 <a14:m>
                   <m:oMath xmlns:m="http://schemas.openxmlformats.org/officeDocument/2006/math">
                     <m:r>
-                      <a:rPr lang="en-US" b="0" i="1" smtClean="0">
+                      <a:rPr lang="en-US" sz="4800" b="0" i="1" smtClean="0">
                         <a:latin typeface="Cambria Math" panose="02040503050406030204" pitchFamily="18" charset="0"/>
                       </a:rPr>
                       <m:t>𝜈</m:t>
@@ -6727,7 +6610,7 @@
                   </m:oMath>
                 </a14:m>
                 <a:r>
-                  <a:rPr lang="en-US" dirty="0">
+                  <a:rPr lang="en-US" sz="4800" dirty="0">
                     <a:latin typeface="+mj-lt"/>
                   </a:rPr>
                   <a:t>-Drift</a:t>
@@ -6753,8 +6636,8 @@
             </p:nvSpPr>
             <p:spPr>
               <a:xfrm>
-                <a:off x="31671160" y="10908569"/>
-                <a:ext cx="9036292" cy="1209242"/>
+                <a:off x="32265520" y="11072099"/>
+                <a:ext cx="8100501" cy="830997"/>
               </a:xfrm>
               <a:prstGeom prst="rect">
                 <a:avLst/>
@@ -6762,7 +6645,7 @@
               <a:blipFill>
                 <a:blip r:embed="rId8"/>
                 <a:stretch>
-                  <a:fillRect l="-668" t="-14151" r="-602" b="-35849"/>
+                  <a:fillRect t="-10000" b="-30667"/>
                 </a:stretch>
               </a:blipFill>
               <a:ln w="76200">
@@ -6823,24 +6706,24 @@
           <a:p>
             <a:pPr defTabSz="914400"/>
             <a:r>
-              <a:rPr lang="en-US" sz="2800" dirty="0">
+              <a:rPr lang="en-US" sz="2400" dirty="0">
                 <a:latin typeface="Univers" panose="020B0503020202020204" pitchFamily="34" charset="0"/>
               </a:rPr>
               <a:t>Combining the locking method with the </a:t>
             </a:r>
             <a:r>
-              <a:rPr lang="en-US" sz="2800" dirty="0" err="1">
+              <a:rPr lang="en-US" sz="2400" dirty="0" err="1">
                 <a:latin typeface="Univers" panose="020B0503020202020204" pitchFamily="34" charset="0"/>
               </a:rPr>
               <a:t>fabry-perot</a:t>
             </a:r>
             <a:r>
-              <a:rPr lang="en-US" sz="2800" dirty="0">
+              <a:rPr lang="en-US" sz="2400" dirty="0">
                 <a:latin typeface="Univers" panose="020B0503020202020204" pitchFamily="34" charset="0"/>
               </a:rPr>
-              <a:t> quantification</a:t>
+              <a:t> quantification, we determined with multiple test over several hours, as well as intentionally introducing temperature variation.</a:t>
             </a:r>
-            <a:endParaRPr lang="en-US" sz="2800" dirty="0"/>
+            <a:endParaRPr lang="en-US" sz="2400" dirty="0"/>
           </a:p>
         </p:txBody>
       </p:sp>
@@ -6858,8 +6741,8 @@
         </p:nvSpPr>
         <p:spPr>
           <a:xfrm>
-            <a:off x="31807708" y="19993769"/>
-            <a:ext cx="9036292" cy="1209242"/>
+            <a:off x="32402068" y="20157299"/>
+            <a:ext cx="8100501" cy="830997"/>
           </a:xfrm>
           <a:prstGeom prst="rect">
             <a:avLst/>
@@ -6881,11 +6764,14 @@
           <a:p>
             <a:pPr algn="ctr"/>
             <a:r>
-              <a:rPr lang="en-US" dirty="0">
+              <a:rPr lang="en-US" sz="4800" dirty="0">
                 <a:latin typeface="+mj-lt"/>
               </a:rPr>
               <a:t>Results</a:t>
             </a:r>
+            <a:endParaRPr lang="en-US" dirty="0">
+              <a:latin typeface="+mj-lt"/>
+            </a:endParaRPr>
           </a:p>
         </p:txBody>
       </p:sp>
@@ -6903,8 +6789,8 @@
         </p:nvSpPr>
         <p:spPr>
           <a:xfrm>
-            <a:off x="30111630" y="27655522"/>
-            <a:ext cx="12428448" cy="1723549"/>
+            <a:off x="30751710" y="27303864"/>
+            <a:ext cx="11141368" cy="2239463"/>
           </a:xfrm>
           <a:prstGeom prst="rect">
             <a:avLst/>
@@ -6949,8 +6835,8 @@
         </p:nvSpPr>
         <p:spPr>
           <a:xfrm>
-            <a:off x="31807708" y="27053119"/>
-            <a:ext cx="9036292" cy="1209242"/>
+            <a:off x="32402068" y="26859097"/>
+            <a:ext cx="8100501" cy="830997"/>
           </a:xfrm>
           <a:prstGeom prst="rect">
             <a:avLst/>
@@ -6972,11 +6858,14 @@
           <a:p>
             <a:pPr algn="ctr"/>
             <a:r>
-              <a:rPr lang="en-US" dirty="0">
+              <a:rPr lang="en-US" sz="4800" dirty="0">
                 <a:latin typeface="+mj-lt"/>
               </a:rPr>
               <a:t>References</a:t>
             </a:r>
+            <a:endParaRPr lang="en-US" dirty="0">
+              <a:latin typeface="+mj-lt"/>
+            </a:endParaRPr>
           </a:p>
         </p:txBody>
       </p:sp>
@@ -6994,19 +6883,38 @@
         </p:nvSpPr>
         <p:spPr>
           <a:xfrm>
-            <a:off x="17064623" y="15596321"/>
+            <a:off x="17070719" y="15614609"/>
             <a:ext cx="1544194" cy="1545336"/>
           </a:xfrm>
           <a:prstGeom prst="rect">
             <a:avLst/>
           </a:prstGeom>
-          <a:solidFill>
-            <a:schemeClr val="accent3">
-              <a:lumMod val="60000"/>
-              <a:lumOff val="40000"/>
-              <a:alpha val="53000"/>
-            </a:schemeClr>
-          </a:solidFill>
+          <a:gradFill flip="none" rotWithShape="1">
+            <a:gsLst>
+              <a:gs pos="100000">
+                <a:schemeClr val="accent3">
+                  <a:lumMod val="60000"/>
+                  <a:lumOff val="40000"/>
+                  <a:shade val="30000"/>
+                  <a:satMod val="115000"/>
+                  <a:alpha val="18000"/>
+                </a:schemeClr>
+              </a:gs>
+              <a:gs pos="0">
+                <a:schemeClr val="accent3">
+                  <a:lumMod val="60000"/>
+                  <a:lumOff val="40000"/>
+                  <a:shade val="100000"/>
+                  <a:satMod val="115000"/>
+                  <a:alpha val="75000"/>
+                </a:schemeClr>
+              </a:gs>
+            </a:gsLst>
+            <a:path path="circle">
+              <a:fillToRect r="100000" b="100000"/>
+            </a:path>
+            <a:tileRect l="-100000" t="-100000"/>
+          </a:gradFill>
           <a:ln w="47625">
             <a:solidFill>
               <a:schemeClr val="tx1"/>
@@ -7054,7 +6962,7 @@
         </p:nvCxnSpPr>
         <p:spPr>
           <a:xfrm flipH="1">
-            <a:off x="17039276" y="15619132"/>
+            <a:off x="17045372" y="15637420"/>
             <a:ext cx="1556590" cy="1522525"/>
           </a:xfrm>
           <a:prstGeom prst="line">
@@ -7081,8 +6989,8 @@
           </a:fontRef>
         </p:style>
       </p:cxnSp>
-      <mc:AlternateContent xmlns:mc="http://schemas.openxmlformats.org/markup-compatibility/2006">
-        <mc:Choice xmlns:a14="http://schemas.microsoft.com/office/drawing/2010/main" Requires="a14">
+      <mc:AlternateContent xmlns:mc="http://schemas.openxmlformats.org/markup-compatibility/2006" xmlns:a14="http://schemas.microsoft.com/office/drawing/2010/main">
+        <mc:Choice Requires="a14">
           <p:sp>
             <p:nvSpPr>
               <p:cNvPr id="30" name="TextBox 29">
@@ -7178,6 +7086,7 @@
                 <a:endParaRPr lang="en-US" sz="2400" dirty="0"/>
               </a:p>
               <a:p>
+                <a:pPr/>
                 <a14:m>
                   <m:oMathPara xmlns:m="http://schemas.openxmlformats.org/officeDocument/2006/math">
                     <m:oMathParaPr>
@@ -7231,7 +7140,7 @@
             </p:txBody>
           </p:sp>
         </mc:Choice>
-        <mc:Fallback>
+        <mc:Fallback xmlns="">
           <p:sp>
             <p:nvSpPr>
               <p:cNvPr id="30" name="TextBox 29">
@@ -7325,8 +7234,8 @@
         </p:nvSpPr>
         <p:spPr>
           <a:xfrm>
-            <a:off x="3617946" y="23160825"/>
-            <a:ext cx="5055896" cy="584775"/>
+            <a:off x="3902742" y="23021251"/>
+            <a:ext cx="7324374" cy="707886"/>
           </a:xfrm>
           <a:prstGeom prst="rect">
             <a:avLst/>
@@ -7342,9 +7251,53 @@
           <a:lstStyle/>
           <a:p>
             <a:r>
-              <a:rPr lang="en-US" sz="1600" dirty="0"/>
+              <a:rPr lang="en-US" sz="2000" dirty="0"/>
               <a:t>Controls: Littrow Grating angle, temperature, and current through active laser medium</a:t>
             </a:r>
+          </a:p>
+        </p:txBody>
+      </p:sp>
+      <p:sp>
+        <p:nvSpPr>
+          <p:cNvPr id="60" name="TextBox 59">
+            <a:extLst>
+              <a:ext uri="{FF2B5EF4-FFF2-40B4-BE49-F238E27FC236}">
+                <a16:creationId xmlns:a16="http://schemas.microsoft.com/office/drawing/2014/main" id="{48671E40-55D4-4D73-AE48-082498A776EA}"/>
+              </a:ext>
+            </a:extLst>
+          </p:cNvPr>
+          <p:cNvSpPr txBox="1"/>
+          <p:nvPr/>
+        </p:nvSpPr>
+        <p:spPr>
+          <a:xfrm>
+            <a:off x="18987570" y="17353684"/>
+            <a:ext cx="10425630" cy="6329489"/>
+          </a:xfrm>
+          <a:prstGeom prst="rect">
+            <a:avLst/>
+          </a:prstGeom>
+          <a:solidFill>
+            <a:schemeClr val="bg1"/>
+          </a:solidFill>
+          <a:ln w="76200">
+            <a:solidFill>
+              <a:schemeClr val="accent2"/>
+            </a:solidFill>
+          </a:ln>
+        </p:spPr>
+        <p:txBody>
+          <a:bodyPr wrap="square" lIns="457200" tIns="822960" rIns="457200" bIns="457200" rtlCol="0">
+            <a:noAutofit/>
+          </a:bodyPr>
+          <a:lstStyle/>
+          <a:p>
+            <a:pPr defTabSz="914400"/>
+            <a:endParaRPr lang="en-US" sz="2800" dirty="0">
+              <a:solidFill>
+                <a:schemeClr val="tx1"/>
+              </a:solidFill>
+            </a:endParaRPr>
           </a:p>
         </p:txBody>
       </p:sp>
@@ -7352,10 +7305,10 @@
         <mc:Choice xmlns:a14="http://schemas.microsoft.com/office/drawing/2010/main" Requires="a14">
           <p:sp>
             <p:nvSpPr>
-              <p:cNvPr id="60" name="TextBox 59">
+              <p:cNvPr id="63" name="TextBox 62">
                 <a:extLst>
                   <a:ext uri="{FF2B5EF4-FFF2-40B4-BE49-F238E27FC236}">
-                    <a16:creationId xmlns:a16="http://schemas.microsoft.com/office/drawing/2014/main" id="{48671E40-55D4-4D73-AE48-082498A776EA}"/>
+                    <a16:creationId xmlns:a16="http://schemas.microsoft.com/office/drawing/2014/main" id="{1EB109DA-EE6E-4211-860B-4113BA185A21}"/>
                   </a:ext>
                 </a:extLst>
               </p:cNvPr>
@@ -7364,8 +7317,8 @@
             </p:nvSpPr>
             <p:spPr>
               <a:xfrm>
-                <a:off x="18987570" y="17330238"/>
-                <a:ext cx="10425630" cy="6329489"/>
+                <a:off x="14305268" y="24191072"/>
+                <a:ext cx="15107932" cy="7621049"/>
               </a:xfrm>
               <a:prstGeom prst="rect">
                 <a:avLst/>
@@ -7387,19 +7340,28 @@
               <a:p>
                 <a:pPr defTabSz="914400"/>
                 <a:r>
-                  <a:rPr lang="en-US" sz="2800" dirty="0"/>
-                  <a:t>Content for Error Signal Isolation and PID</a:t>
+                  <a:rPr lang="en-US" sz="2400" b="0" dirty="0">
+                    <a:solidFill>
+                      <a:schemeClr val="tx1"/>
+                    </a:solidFill>
+                  </a:rPr>
+                  <a:t>	The response to </a:t>
+                </a:r>
+                <a:r>
+                  <a:rPr lang="en-US" sz="2400" dirty="0"/>
+                  <a:t>voltage supplied </a:t>
+                </a:r>
+                <a:r>
+                  <a:rPr lang="en-US" sz="2400" b="0" dirty="0">
+                    <a:solidFill>
+                      <a:schemeClr val="tx1"/>
+                    </a:solidFill>
+                  </a:rPr>
+                  <a:t>the piezoelectric actuator responsible for the Littrow grating angle, is chosen as a function of an error function.</a:t>
                 </a:r>
               </a:p>
               <a:p>
-                <a:pPr defTabSz="914400"/>
-                <a:r>
-                  <a:rPr lang="en-US" sz="2800" dirty="0"/>
-                  <a:t>Top of Fringe locking</a:t>
-                </a:r>
-              </a:p>
-              <a:p>
-                <a:pPr defTabSz="914400"/>
+                <a:pPr algn="ctr" defTabSz="914400"/>
                 <a14:m>
                   <m:oMathPara xmlns:m="http://schemas.openxmlformats.org/officeDocument/2006/math">
                     <m:oMathParaPr>
@@ -7745,7 +7707,7 @@
                     </m:oMath>
                   </m:oMathPara>
                 </a14:m>
-                <a:endParaRPr lang="en-US" sz="2000" dirty="0">
+                <a:endParaRPr lang="en-US" sz="2400" dirty="0">
                   <a:solidFill>
                     <a:schemeClr val="tx1"/>
                   </a:solidFill>
@@ -7753,7 +7715,26 @@
               </a:p>
               <a:p>
                 <a:pPr defTabSz="914400"/>
-                <a:endParaRPr lang="en-US" sz="2800" dirty="0">
+                <a:r>
+                  <a:rPr lang="en-US" sz="2400" dirty="0">
+                    <a:solidFill>
+                      <a:schemeClr val="tx1"/>
+                    </a:solidFill>
+                  </a:rPr>
+                  <a:t>	For Top of Fring</a:t>
+                </a:r>
+                <a:r>
+                  <a:rPr lang="en-US" sz="2400" dirty="0"/>
+                  <a:t>e locking, the response function is the rate of change of the intensity. This rate of change is calculated via current modulation and demodulation. </a:t>
+                </a:r>
+              </a:p>
+              <a:p>
+                <a:pPr defTabSz="914400"/>
+                <a:endParaRPr lang="en-US" sz="2400" dirty="0"/>
+              </a:p>
+              <a:p>
+                <a:pPr defTabSz="914400"/>
+                <a:endParaRPr lang="en-US" sz="2400" dirty="0">
                   <a:solidFill>
                     <a:schemeClr val="tx1"/>
                   </a:solidFill>
@@ -7777,11 +7758,11 @@
               </a:p>
               <a:p>
                 <a:pPr defTabSz="914400"/>
-                <a:endParaRPr lang="en-US" sz="2800" dirty="0">
-                  <a:solidFill>
-                    <a:schemeClr val="tx1"/>
-                  </a:solidFill>
-                </a:endParaRPr>
+                <a:endParaRPr lang="en-US" sz="2800" dirty="0"/>
+              </a:p>
+              <a:p>
+                <a:pPr defTabSz="914400"/>
+                <a:endParaRPr lang="en-US" sz="2800" dirty="0"/>
               </a:p>
             </p:txBody>
           </p:sp>
@@ -7789,10 +7770,10 @@
         <mc:Fallback>
           <p:sp>
             <p:nvSpPr>
-              <p:cNvPr id="60" name="TextBox 59">
+              <p:cNvPr id="63" name="TextBox 62">
                 <a:extLst>
                   <a:ext uri="{FF2B5EF4-FFF2-40B4-BE49-F238E27FC236}">
-                    <a16:creationId xmlns:a16="http://schemas.microsoft.com/office/drawing/2014/main" id="{48671E40-55D4-4D73-AE48-082498A776EA}"/>
+                    <a16:creationId xmlns:a16="http://schemas.microsoft.com/office/drawing/2014/main" id="{1EB109DA-EE6E-4211-860B-4113BA185A21}"/>
                   </a:ext>
                 </a:extLst>
               </p:cNvPr>
@@ -7803,8 +7784,8 @@
             </p:nvSpPr>
             <p:spPr>
               <a:xfrm>
-                <a:off x="18987570" y="17330238"/>
-                <a:ext cx="10425630" cy="6329489"/>
+                <a:off x="14305268" y="24191072"/>
+                <a:ext cx="15107932" cy="7621049"/>
               </a:xfrm>
               <a:prstGeom prst="rect">
                 <a:avLst/>
@@ -7836,535 +7817,6 @@
           </p:sp>
         </mc:Fallback>
       </mc:AlternateContent>
-      <mc:AlternateContent xmlns:mc="http://schemas.openxmlformats.org/markup-compatibility/2006">
-        <mc:Choice xmlns:a14="http://schemas.microsoft.com/office/drawing/2010/main" Requires="a14">
-          <p:sp>
-            <p:nvSpPr>
-              <p:cNvPr id="63" name="TextBox 62">
-                <a:extLst>
-                  <a:ext uri="{FF2B5EF4-FFF2-40B4-BE49-F238E27FC236}">
-                    <a16:creationId xmlns:a16="http://schemas.microsoft.com/office/drawing/2014/main" id="{1EB109DA-EE6E-4211-860B-4113BA185A21}"/>
-                  </a:ext>
-                </a:extLst>
-              </p:cNvPr>
-              <p:cNvSpPr txBox="1"/>
-              <p:nvPr/>
-            </p:nvSpPr>
-            <p:spPr>
-              <a:xfrm>
-                <a:off x="18987570" y="24099632"/>
-                <a:ext cx="10425630" cy="8133060"/>
-              </a:xfrm>
-              <a:prstGeom prst="rect">
-                <a:avLst/>
-              </a:prstGeom>
-              <a:solidFill>
-                <a:schemeClr val="bg1"/>
-              </a:solidFill>
-              <a:ln w="76200">
-                <a:solidFill>
-                  <a:schemeClr val="accent2"/>
-                </a:solidFill>
-              </a:ln>
-            </p:spPr>
-            <p:txBody>
-              <a:bodyPr wrap="square" lIns="457200" tIns="822960" rIns="457200" bIns="457200" rtlCol="0">
-                <a:spAutoFit/>
-              </a:bodyPr>
-              <a:lstStyle/>
-              <a:p>
-                <a:pPr defTabSz="914400"/>
-                <a:r>
-                  <a:rPr lang="en-US" sz="2800" dirty="0">
-                    <a:latin typeface="+mj-lt"/>
-                  </a:rPr>
-                  <a:t>Top of Fringe Laser locking</a:t>
-                </a:r>
-                <a:r>
-                  <a:rPr lang="en-US" sz="2800" dirty="0">
-                    <a:latin typeface="Univers" panose="020B0503020202020204" pitchFamily="34" charset="0"/>
-                  </a:rPr>
-                  <a:t>	</a:t>
-                </a:r>
-              </a:p>
-              <a:p>
-                <a:pPr algn="ctr" defTabSz="914400"/>
-                <a14:m>
-                  <m:oMathPara xmlns:m="http://schemas.openxmlformats.org/officeDocument/2006/math">
-                    <m:oMathParaPr>
-                      <m:jc m:val="centerGroup"/>
-                    </m:oMathParaPr>
-                    <m:oMath xmlns:m="http://schemas.openxmlformats.org/officeDocument/2006/math">
-                      <m:r>
-                        <a:rPr lang="en-US" sz="3600" b="0" i="1" smtClean="0">
-                          <a:solidFill>
-                            <a:schemeClr val="tx1"/>
-                          </a:solidFill>
-                          <a:latin typeface="Cambria Math" panose="02040503050406030204" pitchFamily="18" charset="0"/>
-                        </a:rPr>
-                        <m:t>𝑢</m:t>
-                      </m:r>
-                      <m:d>
-                        <m:dPr>
-                          <m:ctrlPr>
-                            <a:rPr lang="en-US" sz="3600" b="0" i="1" smtClean="0">
-                              <a:solidFill>
-                                <a:schemeClr val="tx1"/>
-                              </a:solidFill>
-                              <a:latin typeface="Cambria Math" panose="02040503050406030204" pitchFamily="18" charset="0"/>
-                            </a:rPr>
-                          </m:ctrlPr>
-                        </m:dPr>
-                        <m:e>
-                          <m:r>
-                            <a:rPr lang="en-US" sz="3600" b="0" i="1" smtClean="0">
-                              <a:solidFill>
-                                <a:schemeClr val="tx1"/>
-                              </a:solidFill>
-                              <a:latin typeface="Cambria Math" panose="02040503050406030204" pitchFamily="18" charset="0"/>
-                            </a:rPr>
-                            <m:t>𝑡</m:t>
-                          </m:r>
-                        </m:e>
-                      </m:d>
-                      <m:r>
-                        <a:rPr lang="en-US" sz="3600" b="0" i="1" smtClean="0">
-                          <a:solidFill>
-                            <a:schemeClr val="tx1"/>
-                          </a:solidFill>
-                          <a:latin typeface="Cambria Math" panose="02040503050406030204" pitchFamily="18" charset="0"/>
-                        </a:rPr>
-                        <m:t>=</m:t>
-                      </m:r>
-                      <m:sSub>
-                        <m:sSubPr>
-                          <m:ctrlPr>
-                            <a:rPr lang="en-US" sz="3600" b="0" i="1" smtClean="0">
-                              <a:solidFill>
-                                <a:schemeClr val="tx1"/>
-                              </a:solidFill>
-                              <a:latin typeface="Cambria Math" panose="02040503050406030204" pitchFamily="18" charset="0"/>
-                            </a:rPr>
-                          </m:ctrlPr>
-                        </m:sSubPr>
-                        <m:e>
-                          <m:r>
-                            <a:rPr lang="en-US" sz="3600" b="0" i="1" smtClean="0">
-                              <a:solidFill>
-                                <a:schemeClr val="tx1"/>
-                              </a:solidFill>
-                              <a:latin typeface="Cambria Math" panose="02040503050406030204" pitchFamily="18" charset="0"/>
-                            </a:rPr>
-                            <m:t>𝐾</m:t>
-                          </m:r>
-                        </m:e>
-                        <m:sub>
-                          <m:r>
-                            <a:rPr lang="en-US" sz="3600" b="0" i="1" smtClean="0">
-                              <a:solidFill>
-                                <a:schemeClr val="tx1"/>
-                              </a:solidFill>
-                              <a:latin typeface="Cambria Math" panose="02040503050406030204" pitchFamily="18" charset="0"/>
-                            </a:rPr>
-                            <m:t>𝑝</m:t>
-                          </m:r>
-                        </m:sub>
-                      </m:sSub>
-                      <m:r>
-                        <a:rPr lang="en-US" sz="3600" b="0" i="1" smtClean="0">
-                          <a:solidFill>
-                            <a:schemeClr val="tx1"/>
-                          </a:solidFill>
-                          <a:latin typeface="Cambria Math" panose="02040503050406030204" pitchFamily="18" charset="0"/>
-                        </a:rPr>
-                        <m:t>𝑒</m:t>
-                      </m:r>
-                      <m:d>
-                        <m:dPr>
-                          <m:ctrlPr>
-                            <a:rPr lang="en-US" sz="3600" b="0" i="1" smtClean="0">
-                              <a:solidFill>
-                                <a:schemeClr val="tx1"/>
-                              </a:solidFill>
-                              <a:latin typeface="Cambria Math" panose="02040503050406030204" pitchFamily="18" charset="0"/>
-                            </a:rPr>
-                          </m:ctrlPr>
-                        </m:dPr>
-                        <m:e>
-                          <m:r>
-                            <a:rPr lang="en-US" sz="3600" b="0" i="1" smtClean="0">
-                              <a:solidFill>
-                                <a:schemeClr val="tx1"/>
-                              </a:solidFill>
-                              <a:latin typeface="Cambria Math" panose="02040503050406030204" pitchFamily="18" charset="0"/>
-                            </a:rPr>
-                            <m:t>𝑡</m:t>
-                          </m:r>
-                        </m:e>
-                      </m:d>
-                      <m:r>
-                        <a:rPr lang="en-US" sz="3600" b="0" i="1" smtClean="0">
-                          <a:solidFill>
-                            <a:schemeClr val="tx1"/>
-                          </a:solidFill>
-                          <a:latin typeface="Cambria Math" panose="02040503050406030204" pitchFamily="18" charset="0"/>
-                        </a:rPr>
-                        <m:t>+</m:t>
-                      </m:r>
-                      <m:sSub>
-                        <m:sSubPr>
-                          <m:ctrlPr>
-                            <a:rPr lang="en-US" sz="3600" b="0" i="1" smtClean="0">
-                              <a:solidFill>
-                                <a:schemeClr val="tx1"/>
-                              </a:solidFill>
-                              <a:latin typeface="Cambria Math" panose="02040503050406030204" pitchFamily="18" charset="0"/>
-                            </a:rPr>
-                          </m:ctrlPr>
-                        </m:sSubPr>
-                        <m:e>
-                          <m:r>
-                            <a:rPr lang="en-US" sz="3600" b="0" i="1" smtClean="0">
-                              <a:solidFill>
-                                <a:schemeClr val="tx1"/>
-                              </a:solidFill>
-                              <a:latin typeface="Cambria Math" panose="02040503050406030204" pitchFamily="18" charset="0"/>
-                            </a:rPr>
-                            <m:t>𝐾</m:t>
-                          </m:r>
-                        </m:e>
-                        <m:sub>
-                          <m:r>
-                            <a:rPr lang="en-US" sz="3600" b="0" i="1" smtClean="0">
-                              <a:solidFill>
-                                <a:schemeClr val="tx1"/>
-                              </a:solidFill>
-                              <a:latin typeface="Cambria Math" panose="02040503050406030204" pitchFamily="18" charset="0"/>
-                            </a:rPr>
-                            <m:t>𝑖</m:t>
-                          </m:r>
-                        </m:sub>
-                      </m:sSub>
-                      <m:nary>
-                        <m:naryPr>
-                          <m:ctrlPr>
-                            <a:rPr lang="en-US" sz="3600" b="0" i="1" smtClean="0">
-                              <a:solidFill>
-                                <a:schemeClr val="tx1"/>
-                              </a:solidFill>
-                              <a:latin typeface="Cambria Math" panose="02040503050406030204" pitchFamily="18" charset="0"/>
-                            </a:rPr>
-                          </m:ctrlPr>
-                        </m:naryPr>
-                        <m:sub>
-                          <m:r>
-                            <a:rPr lang="en-US" sz="3600" b="0" i="1" smtClean="0">
-                              <a:solidFill>
-                                <a:schemeClr val="tx1"/>
-                              </a:solidFill>
-                              <a:latin typeface="Cambria Math" panose="02040503050406030204" pitchFamily="18" charset="0"/>
-                            </a:rPr>
-                            <m:t>0</m:t>
-                          </m:r>
-                        </m:sub>
-                        <m:sup>
-                          <m:r>
-                            <a:rPr lang="en-US" sz="3600" b="0" i="1" smtClean="0">
-                              <a:solidFill>
-                                <a:schemeClr val="tx1"/>
-                              </a:solidFill>
-                              <a:latin typeface="Cambria Math" panose="02040503050406030204" pitchFamily="18" charset="0"/>
-                            </a:rPr>
-                            <m:t>𝑡</m:t>
-                          </m:r>
-                        </m:sup>
-                        <m:e>
-                          <m:r>
-                            <a:rPr lang="en-US" sz="3600" i="1">
-                              <a:solidFill>
-                                <a:schemeClr val="tx1"/>
-                              </a:solidFill>
-                              <a:latin typeface="Cambria Math" panose="02040503050406030204" pitchFamily="18" charset="0"/>
-                            </a:rPr>
-                            <m:t>𝑒</m:t>
-                          </m:r>
-                          <m:d>
-                            <m:dPr>
-                              <m:ctrlPr>
-                                <a:rPr lang="en-US" sz="3600" i="1">
-                                  <a:solidFill>
-                                    <a:schemeClr val="tx1"/>
-                                  </a:solidFill>
-                                  <a:latin typeface="Cambria Math" panose="02040503050406030204" pitchFamily="18" charset="0"/>
-                                </a:rPr>
-                              </m:ctrlPr>
-                            </m:dPr>
-                            <m:e>
-                              <m:r>
-                                <a:rPr lang="en-US" sz="3600" i="1">
-                                  <a:solidFill>
-                                    <a:schemeClr val="tx1"/>
-                                  </a:solidFill>
-                                  <a:latin typeface="Cambria Math" panose="02040503050406030204" pitchFamily="18" charset="0"/>
-                                </a:rPr>
-                                <m:t>𝜏</m:t>
-                              </m:r>
-                            </m:e>
-                          </m:d>
-                          <m:r>
-                            <a:rPr lang="en-US" sz="3600" i="1">
-                              <a:solidFill>
-                                <a:schemeClr val="tx1"/>
-                              </a:solidFill>
-                              <a:latin typeface="Cambria Math" panose="02040503050406030204" pitchFamily="18" charset="0"/>
-                            </a:rPr>
-                            <m:t>𝑑</m:t>
-                          </m:r>
-                          <m:r>
-                            <a:rPr lang="en-US" sz="3600" i="1">
-                              <a:solidFill>
-                                <a:schemeClr val="tx1"/>
-                              </a:solidFill>
-                              <a:latin typeface="Cambria Math" panose="02040503050406030204" pitchFamily="18" charset="0"/>
-                            </a:rPr>
-                            <m:t>𝜏</m:t>
-                          </m:r>
-                        </m:e>
-                      </m:nary>
-                      <m:r>
-                        <a:rPr lang="en-US" sz="3600" b="0" i="1" smtClean="0">
-                          <a:solidFill>
-                            <a:schemeClr val="tx1"/>
-                          </a:solidFill>
-                          <a:latin typeface="Cambria Math" panose="02040503050406030204" pitchFamily="18" charset="0"/>
-                        </a:rPr>
-                        <m:t>+</m:t>
-                      </m:r>
-                      <m:sSub>
-                        <m:sSubPr>
-                          <m:ctrlPr>
-                            <a:rPr lang="en-US" sz="3600" b="0" i="1" smtClean="0">
-                              <a:solidFill>
-                                <a:schemeClr val="tx1"/>
-                              </a:solidFill>
-                              <a:latin typeface="Cambria Math" panose="02040503050406030204" pitchFamily="18" charset="0"/>
-                            </a:rPr>
-                          </m:ctrlPr>
-                        </m:sSubPr>
-                        <m:e>
-                          <m:r>
-                            <a:rPr lang="en-US" sz="3600" b="0" i="1" smtClean="0">
-                              <a:solidFill>
-                                <a:schemeClr val="tx1"/>
-                              </a:solidFill>
-                              <a:latin typeface="Cambria Math" panose="02040503050406030204" pitchFamily="18" charset="0"/>
-                            </a:rPr>
-                            <m:t>𝐾</m:t>
-                          </m:r>
-                        </m:e>
-                        <m:sub>
-                          <m:r>
-                            <a:rPr lang="en-US" sz="3600" b="0" i="1" smtClean="0">
-                              <a:solidFill>
-                                <a:schemeClr val="tx1"/>
-                              </a:solidFill>
-                              <a:latin typeface="Cambria Math" panose="02040503050406030204" pitchFamily="18" charset="0"/>
-                            </a:rPr>
-                            <m:t>𝑑</m:t>
-                          </m:r>
-                        </m:sub>
-                      </m:sSub>
-                      <m:f>
-                        <m:fPr>
-                          <m:ctrlPr>
-                            <a:rPr lang="en-US" sz="3600" b="0" i="1" smtClean="0">
-                              <a:solidFill>
-                                <a:schemeClr val="tx1"/>
-                              </a:solidFill>
-                              <a:latin typeface="Cambria Math" panose="02040503050406030204" pitchFamily="18" charset="0"/>
-                            </a:rPr>
-                          </m:ctrlPr>
-                        </m:fPr>
-                        <m:num>
-                          <m:r>
-                            <a:rPr lang="en-US" sz="3600" b="0" i="1" smtClean="0">
-                              <a:solidFill>
-                                <a:schemeClr val="tx1"/>
-                              </a:solidFill>
-                              <a:latin typeface="Cambria Math" panose="02040503050406030204" pitchFamily="18" charset="0"/>
-                            </a:rPr>
-                            <m:t>𝑑𝑒</m:t>
-                          </m:r>
-                          <m:d>
-                            <m:dPr>
-                              <m:ctrlPr>
-                                <a:rPr lang="en-US" sz="3600" b="0" i="1" smtClean="0">
-                                  <a:solidFill>
-                                    <a:schemeClr val="tx1"/>
-                                  </a:solidFill>
-                                  <a:latin typeface="Cambria Math" panose="02040503050406030204" pitchFamily="18" charset="0"/>
-                                </a:rPr>
-                              </m:ctrlPr>
-                            </m:dPr>
-                            <m:e>
-                              <m:r>
-                                <a:rPr lang="en-US" sz="3600" b="0" i="1" smtClean="0">
-                                  <a:solidFill>
-                                    <a:schemeClr val="tx1"/>
-                                  </a:solidFill>
-                                  <a:latin typeface="Cambria Math" panose="02040503050406030204" pitchFamily="18" charset="0"/>
-                                </a:rPr>
-                                <m:t>𝑡</m:t>
-                              </m:r>
-                            </m:e>
-                          </m:d>
-                        </m:num>
-                        <m:den>
-                          <m:r>
-                            <a:rPr lang="en-US" sz="3600" b="0" i="1" smtClean="0">
-                              <a:solidFill>
-                                <a:schemeClr val="tx1"/>
-                              </a:solidFill>
-                              <a:latin typeface="Cambria Math" panose="02040503050406030204" pitchFamily="18" charset="0"/>
-                            </a:rPr>
-                            <m:t>𝑑𝑡</m:t>
-                          </m:r>
-                        </m:den>
-                      </m:f>
-                    </m:oMath>
-                  </m:oMathPara>
-                </a14:m>
-                <a:endParaRPr lang="en-US" sz="2800" dirty="0">
-                  <a:solidFill>
-                    <a:schemeClr val="tx1"/>
-                  </a:solidFill>
-                </a:endParaRPr>
-              </a:p>
-              <a:p>
-                <a:pPr defTabSz="914400"/>
-                <a:endParaRPr lang="en-US" sz="2800" dirty="0"/>
-              </a:p>
-              <a:p>
-                <a:pPr defTabSz="914400"/>
-                <a:endParaRPr lang="en-US" sz="2800" dirty="0">
-                  <a:solidFill>
-                    <a:schemeClr val="tx1"/>
-                  </a:solidFill>
-                </a:endParaRPr>
-              </a:p>
-              <a:p>
-                <a:pPr defTabSz="914400"/>
-                <a:endParaRPr lang="en-US" sz="2800" dirty="0"/>
-              </a:p>
-              <a:p>
-                <a:pPr defTabSz="914400"/>
-                <a:endParaRPr lang="en-US" sz="2800" dirty="0">
-                  <a:solidFill>
-                    <a:schemeClr val="tx1"/>
-                  </a:solidFill>
-                </a:endParaRPr>
-              </a:p>
-              <a:p>
-                <a:pPr defTabSz="914400"/>
-                <a:endParaRPr lang="en-US" sz="2800" dirty="0"/>
-              </a:p>
-              <a:p>
-                <a:pPr defTabSz="914400"/>
-                <a:endParaRPr lang="en-US" sz="2800" dirty="0">
-                  <a:solidFill>
-                    <a:schemeClr val="tx1"/>
-                  </a:solidFill>
-                </a:endParaRPr>
-              </a:p>
-              <a:p>
-                <a:pPr defTabSz="914400"/>
-                <a:endParaRPr lang="en-US" sz="2800" dirty="0"/>
-              </a:p>
-              <a:p>
-                <a:pPr defTabSz="914400"/>
-                <a:endParaRPr lang="en-US" sz="2800" dirty="0">
-                  <a:solidFill>
-                    <a:schemeClr val="tx1"/>
-                  </a:solidFill>
-                </a:endParaRPr>
-              </a:p>
-              <a:p>
-                <a:pPr defTabSz="914400"/>
-                <a:endParaRPr lang="en-US" sz="2800" dirty="0"/>
-              </a:p>
-              <a:p>
-                <a:pPr defTabSz="914400"/>
-                <a:endParaRPr lang="en-US" sz="2800" dirty="0">
-                  <a:solidFill>
-                    <a:schemeClr val="tx1"/>
-                  </a:solidFill>
-                </a:endParaRPr>
-              </a:p>
-              <a:p>
-                <a:pPr defTabSz="914400"/>
-                <a:endParaRPr lang="en-US" sz="2800" dirty="0">
-                  <a:solidFill>
-                    <a:schemeClr val="tx1"/>
-                  </a:solidFill>
-                </a:endParaRPr>
-              </a:p>
-              <a:p>
-                <a:pPr defTabSz="914400"/>
-                <a:endParaRPr lang="en-US" sz="2800" dirty="0"/>
-              </a:p>
-            </p:txBody>
-          </p:sp>
-        </mc:Choice>
-        <mc:Fallback>
-          <p:sp>
-            <p:nvSpPr>
-              <p:cNvPr id="63" name="TextBox 62">
-                <a:extLst>
-                  <a:ext uri="{FF2B5EF4-FFF2-40B4-BE49-F238E27FC236}">
-                    <a16:creationId xmlns:a16="http://schemas.microsoft.com/office/drawing/2014/main" id="{1EB109DA-EE6E-4211-860B-4113BA185A21}"/>
-                  </a:ext>
-                </a:extLst>
-              </p:cNvPr>
-              <p:cNvSpPr txBox="1">
-                <a:spLocks noRot="1" noChangeAspect="1" noMove="1" noResize="1" noEditPoints="1" noAdjustHandles="1" noChangeArrowheads="1" noChangeShapeType="1" noTextEdit="1"/>
-              </p:cNvSpPr>
-              <p:nvPr/>
-            </p:nvSpPr>
-            <p:spPr>
-              <a:xfrm>
-                <a:off x="18987570" y="24099632"/>
-                <a:ext cx="10425630" cy="8133060"/>
-              </a:xfrm>
-              <a:prstGeom prst="rect">
-                <a:avLst/>
-              </a:prstGeom>
-              <a:blipFill>
-                <a:blip r:embed="rId11"/>
-                <a:stretch>
-                  <a:fillRect/>
-                </a:stretch>
-              </a:blipFill>
-              <a:ln w="76200">
-                <a:solidFill>
-                  <a:schemeClr val="accent2"/>
-                </a:solidFill>
-              </a:ln>
-            </p:spPr>
-            <p:txBody>
-              <a:bodyPr/>
-              <a:lstStyle/>
-              <a:p>
-                <a:r>
-                  <a:rPr lang="en-US">
-                    <a:noFill/>
-                  </a:rPr>
-                  <a:t> </a:t>
-                </a:r>
-              </a:p>
-            </p:txBody>
-          </p:sp>
-        </mc:Fallback>
-      </mc:AlternateContent>
       <p:sp>
         <p:nvSpPr>
           <p:cNvPr id="98" name="TextBox 97">
@@ -8415,7 +7867,7 @@
           <p:nvPr/>
         </p:nvPicPr>
         <p:blipFill rotWithShape="1">
-          <a:blip r:embed="rId12">
+          <a:blip r:embed="rId11">
             <a:extLst>
               <a:ext uri="{28A0092B-C50C-407E-A947-70E740481C1C}">
                 <a14:useLocalDpi xmlns:a14="http://schemas.microsoft.com/office/drawing/2010/main" val="0"/>
@@ -8450,7 +7902,7 @@
           <p:nvPr/>
         </p:nvPicPr>
         <p:blipFill rotWithShape="1">
-          <a:blip r:embed="rId13">
+          <a:blip r:embed="rId12">
             <a:extLst>
               <a:ext uri="{28A0092B-C50C-407E-A947-70E740481C1C}">
                 <a14:useLocalDpi xmlns:a14="http://schemas.microsoft.com/office/drawing/2010/main" val="0"/>
@@ -8462,103 +7914,14 @@
         </p:blipFill>
         <p:spPr>
           <a:xfrm>
-            <a:off x="38484045" y="6802828"/>
-            <a:ext cx="3883155" cy="3428523"/>
+            <a:off x="30772565" y="13564014"/>
+            <a:ext cx="4418396" cy="3901102"/>
           </a:xfrm>
           <a:prstGeom prst="rect">
             <a:avLst/>
           </a:prstGeom>
         </p:spPr>
       </p:pic>
-      <p:sp>
-        <p:nvSpPr>
-          <p:cNvPr id="113" name="&quot;Not Allowed&quot; Symbol 112">
-            <a:extLst>
-              <a:ext uri="{FF2B5EF4-FFF2-40B4-BE49-F238E27FC236}">
-                <a16:creationId xmlns:a16="http://schemas.microsoft.com/office/drawing/2014/main" id="{7960EC98-6831-446F-AFAC-BD2AF60F6A78}"/>
-              </a:ext>
-            </a:extLst>
-          </p:cNvPr>
-          <p:cNvSpPr/>
-          <p:nvPr/>
-        </p:nvSpPr>
-        <p:spPr>
-          <a:xfrm>
-            <a:off x="38484045" y="6788414"/>
-            <a:ext cx="3883155" cy="3371276"/>
-          </a:xfrm>
-          <a:prstGeom prst="noSmoking">
-            <a:avLst/>
-          </a:prstGeom>
-        </p:spPr>
-        <p:style>
-          <a:lnRef idx="2">
-            <a:schemeClr val="accent1">
-              <a:shade val="50000"/>
-            </a:schemeClr>
-          </a:lnRef>
-          <a:fillRef idx="1">
-            <a:schemeClr val="accent1"/>
-          </a:fillRef>
-          <a:effectRef idx="0">
-            <a:schemeClr val="accent1"/>
-          </a:effectRef>
-          <a:fontRef idx="minor">
-            <a:schemeClr val="lt1"/>
-          </a:fontRef>
-        </p:style>
-        <p:txBody>
-          <a:bodyPr rtlCol="0" anchor="ctr"/>
-          <a:lstStyle/>
-          <a:p>
-            <a:pPr algn="ctr"/>
-            <a:endParaRPr lang="en-US">
-              <a:solidFill>
-                <a:schemeClr val="tx1"/>
-              </a:solidFill>
-            </a:endParaRPr>
-          </a:p>
-        </p:txBody>
-      </p:sp>
-      <p:cxnSp>
-        <p:nvCxnSpPr>
-          <p:cNvPr id="118" name="Straight Connector 117">
-            <a:extLst>
-              <a:ext uri="{FF2B5EF4-FFF2-40B4-BE49-F238E27FC236}">
-                <a16:creationId xmlns:a16="http://schemas.microsoft.com/office/drawing/2014/main" id="{23375813-6893-49D4-AFC3-CF4EA2A3678C}"/>
-              </a:ext>
-            </a:extLst>
-          </p:cNvPr>
-          <p:cNvCxnSpPr>
-            <a:cxnSpLocks/>
-          </p:cNvCxnSpPr>
-          <p:nvPr/>
-        </p:nvCxnSpPr>
-        <p:spPr>
-          <a:xfrm flipV="1">
-            <a:off x="17824250" y="16362102"/>
-            <a:ext cx="7407369" cy="20560"/>
-          </a:xfrm>
-          <a:prstGeom prst="line">
-            <a:avLst/>
-          </a:prstGeom>
-          <a:ln w="38100"/>
-        </p:spPr>
-        <p:style>
-          <a:lnRef idx="1">
-            <a:schemeClr val="accent1"/>
-          </a:lnRef>
-          <a:fillRef idx="0">
-            <a:schemeClr val="accent1"/>
-          </a:fillRef>
-          <a:effectRef idx="0">
-            <a:schemeClr val="accent1"/>
-          </a:effectRef>
-          <a:fontRef idx="minor">
-            <a:schemeClr val="tx1"/>
-          </a:fontRef>
-        </p:style>
-      </p:cxnSp>
       <p:grpSp>
         <p:nvGrpSpPr>
           <p:cNvPr id="117" name="Group 116">
@@ -9236,13 +8599,15 @@
           </p:cNvPr>
           <p:cNvCxnSpPr>
             <a:cxnSpLocks/>
+            <a:stCxn id="111" idx="1"/>
+            <a:endCxn id="141" idx="3"/>
           </p:cNvCxnSpPr>
           <p:nvPr/>
         </p:nvCxnSpPr>
         <p:spPr>
           <a:xfrm rot="10800000" flipV="1">
-            <a:off x="29338309" y="14459802"/>
-            <a:ext cx="2516113" cy="1900684"/>
+            <a:off x="29435767" y="15514565"/>
+            <a:ext cx="1336798" cy="846346"/>
           </a:xfrm>
           <a:prstGeom prst="bentConnector3">
             <a:avLst>
@@ -9266,6 +8631,2069 @@
           </a:fontRef>
         </p:style>
       </p:cxnSp>
+      <mc:AlternateContent xmlns:mc="http://schemas.openxmlformats.org/markup-compatibility/2006">
+        <mc:Choice xmlns:a14="http://schemas.microsoft.com/office/drawing/2010/main" Requires="a14">
+          <p:sp>
+            <p:nvSpPr>
+              <p:cNvPr id="80" name="TextBox 79">
+                <a:extLst>
+                  <a:ext uri="{FF2B5EF4-FFF2-40B4-BE49-F238E27FC236}">
+                    <a16:creationId xmlns:a16="http://schemas.microsoft.com/office/drawing/2014/main" id="{97ECB86D-B772-4D36-9FCC-1F3B914F7029}"/>
+                  </a:ext>
+                </a:extLst>
+              </p:cNvPr>
+              <p:cNvSpPr txBox="1"/>
+              <p:nvPr/>
+            </p:nvSpPr>
+            <p:spPr>
+              <a:xfrm>
+                <a:off x="18987570" y="6788414"/>
+                <a:ext cx="10425630" cy="8545193"/>
+              </a:xfrm>
+              <a:prstGeom prst="rect">
+                <a:avLst/>
+              </a:prstGeom>
+              <a:solidFill>
+                <a:schemeClr val="bg1"/>
+              </a:solidFill>
+              <a:ln w="76200">
+                <a:solidFill>
+                  <a:schemeClr val="accent2"/>
+                </a:solidFill>
+              </a:ln>
+            </p:spPr>
+            <p:txBody>
+              <a:bodyPr wrap="square" lIns="457200" tIns="822960" rIns="457200" bIns="457200" rtlCol="0">
+                <a:noAutofit/>
+              </a:bodyPr>
+              <a:lstStyle/>
+              <a:p>
+                <a:pPr defTabSz="914400"/>
+                <a:r>
+                  <a:rPr lang="en-US" sz="2800" dirty="0">
+                    <a:latin typeface="+mj-lt"/>
+                  </a:rPr>
+                  <a:t>Rubidium, The D2 Transition, and Doppler Free Spectroscopy</a:t>
+                </a:r>
+              </a:p>
+              <a:p>
+                <a:pPr defTabSz="914400"/>
+                <a:endParaRPr lang="en-US" sz="2400" dirty="0"/>
+              </a:p>
+              <a:p>
+                <a:pPr defTabSz="914400"/>
+                <a:r>
+                  <a:rPr lang="en-US" sz="2400" dirty="0"/>
+                  <a:t>	Light with specific energy can be absorbed by alkali metals, causing the valence electron to jump to a higher energy level. The energy of the D2 transition has been experimentally determined as </a:t>
+                </a:r>
+                <a14:m>
+                  <m:oMath xmlns:m="http://schemas.openxmlformats.org/officeDocument/2006/math">
+                    <m:r>
+                      <a:rPr lang="en-US" sz="2400" b="0" i="1" smtClean="0">
+                        <a:latin typeface="Cambria Math" panose="02040503050406030204" pitchFamily="18" charset="0"/>
+                      </a:rPr>
+                      <m:t>𝐸</m:t>
+                    </m:r>
+                    <m:r>
+                      <a:rPr lang="en-US" sz="2400" b="0" i="1" smtClean="0">
+                        <a:latin typeface="Cambria Math" panose="02040503050406030204" pitchFamily="18" charset="0"/>
+                      </a:rPr>
+                      <m:t>=</m:t>
+                    </m:r>
+                    <m:f>
+                      <m:fPr>
+                        <m:ctrlPr>
+                          <a:rPr lang="en-US" sz="2400" b="0" i="1" smtClean="0">
+                            <a:latin typeface="Cambria Math" panose="02040503050406030204" pitchFamily="18" charset="0"/>
+                          </a:rPr>
+                        </m:ctrlPr>
+                      </m:fPr>
+                      <m:num>
+                        <m:r>
+                          <a:rPr lang="en-US" sz="2400" b="0" i="1" smtClean="0">
+                            <a:latin typeface="Cambria Math" panose="02040503050406030204" pitchFamily="18" charset="0"/>
+                          </a:rPr>
+                          <m:t>h𝑐</m:t>
+                        </m:r>
+                      </m:num>
+                      <m:den>
+                        <m:r>
+                          <a:rPr lang="en-US" sz="2400" b="0" i="1" smtClean="0">
+                            <a:latin typeface="Cambria Math" panose="02040503050406030204" pitchFamily="18" charset="0"/>
+                          </a:rPr>
+                          <m:t>𝜆</m:t>
+                        </m:r>
+                      </m:den>
+                    </m:f>
+                    <m:r>
+                      <a:rPr lang="en-US" sz="2400" b="0" i="1" smtClean="0">
+                        <a:latin typeface="Cambria Math" panose="02040503050406030204" pitchFamily="18" charset="0"/>
+                      </a:rPr>
+                      <m:t>=</m:t>
+                    </m:r>
+                    <m:f>
+                      <m:fPr>
+                        <m:ctrlPr>
+                          <a:rPr lang="en-US" sz="2400" b="0" i="1" smtClean="0">
+                            <a:latin typeface="Cambria Math" panose="02040503050406030204" pitchFamily="18" charset="0"/>
+                          </a:rPr>
+                        </m:ctrlPr>
+                      </m:fPr>
+                      <m:num>
+                        <m:r>
+                          <a:rPr lang="en-US" sz="2400" b="0" i="1" smtClean="0">
+                            <a:latin typeface="Cambria Math" panose="02040503050406030204" pitchFamily="18" charset="0"/>
+                          </a:rPr>
+                          <m:t>1240</m:t>
+                        </m:r>
+                      </m:num>
+                      <m:den>
+                        <m:r>
+                          <a:rPr lang="en-US" sz="2400" b="0" i="1" smtClean="0">
+                            <a:latin typeface="Cambria Math" panose="02040503050406030204" pitchFamily="18" charset="0"/>
+                          </a:rPr>
+                          <m:t>780</m:t>
+                        </m:r>
+                      </m:den>
+                    </m:f>
+                    <m:r>
+                      <a:rPr lang="en-US" sz="2400" b="0" i="1" smtClean="0">
+                        <a:latin typeface="Cambria Math" panose="02040503050406030204" pitchFamily="18" charset="0"/>
+                      </a:rPr>
+                      <m:t>=1.589±</m:t>
+                    </m:r>
+                    <m:r>
+                      <a:rPr lang="en-US" sz="2400" b="0" i="0" smtClean="0">
+                        <a:latin typeface="Cambria Math" panose="02040503050406030204" pitchFamily="18" charset="0"/>
+                      </a:rPr>
+                      <m:t>2.5</m:t>
+                    </m:r>
+                    <m:r>
+                      <a:rPr lang="en-US" sz="2400" b="0" i="1" smtClean="0">
+                        <a:latin typeface="Cambria Math" panose="02040503050406030204" pitchFamily="18" charset="0"/>
+                      </a:rPr>
+                      <m:t>×</m:t>
+                    </m:r>
+                    <m:sSup>
+                      <m:sSupPr>
+                        <m:ctrlPr>
+                          <a:rPr lang="en-US" sz="2400" b="0" i="1" smtClean="0">
+                            <a:latin typeface="Cambria Math" panose="02040503050406030204" pitchFamily="18" charset="0"/>
+                          </a:rPr>
+                        </m:ctrlPr>
+                      </m:sSupPr>
+                      <m:e>
+                        <m:r>
+                          <a:rPr lang="en-US" sz="2400" b="0" i="1" smtClean="0">
+                            <a:latin typeface="Cambria Math" panose="02040503050406030204" pitchFamily="18" charset="0"/>
+                          </a:rPr>
+                          <m:t>10</m:t>
+                        </m:r>
+                      </m:e>
+                      <m:sup>
+                        <m:r>
+                          <a:rPr lang="en-US" sz="2400" b="0" i="1" smtClean="0">
+                            <a:latin typeface="Cambria Math" panose="02040503050406030204" pitchFamily="18" charset="0"/>
+                          </a:rPr>
+                          <m:t>−8</m:t>
+                        </m:r>
+                      </m:sup>
+                    </m:sSup>
+                    <m:r>
+                      <m:rPr>
+                        <m:sty m:val="p"/>
+                      </m:rPr>
+                      <a:rPr lang="en-US" sz="2400" b="0" i="0" smtClean="0">
+                        <a:latin typeface="Cambria Math" panose="02040503050406030204" pitchFamily="18" charset="0"/>
+                      </a:rPr>
+                      <m:t>eV</m:t>
+                    </m:r>
+                    <m:r>
+                      <a:rPr lang="en-US" sz="2400" b="0" i="1" smtClean="0">
+                        <a:latin typeface="Cambria Math" panose="02040503050406030204" pitchFamily="18" charset="0"/>
+                      </a:rPr>
+                      <m:t>∼384,231 </m:t>
+                    </m:r>
+                    <m:r>
+                      <m:rPr>
+                        <m:sty m:val="p"/>
+                      </m:rPr>
+                      <a:rPr lang="en-US" sz="2400" b="0" i="1" smtClean="0">
+                        <a:latin typeface="Cambria Math" panose="02040503050406030204" pitchFamily="18" charset="0"/>
+                      </a:rPr>
+                      <m:t>THz</m:t>
+                    </m:r>
+                    <m:r>
+                      <a:rPr lang="en-US" sz="2400" b="0" i="1" smtClean="0">
+                        <a:latin typeface="Cambria Math" panose="02040503050406030204" pitchFamily="18" charset="0"/>
+                      </a:rPr>
+                      <m:t>±3</m:t>
+                    </m:r>
+                    <m:r>
+                      <m:rPr>
+                        <m:sty m:val="p"/>
+                      </m:rPr>
+                      <a:rPr lang="en-US" sz="2400" b="0" i="0" smtClean="0">
+                        <a:latin typeface="Cambria Math" panose="02040503050406030204" pitchFamily="18" charset="0"/>
+                      </a:rPr>
+                      <m:t>MHz</m:t>
+                    </m:r>
+                  </m:oMath>
+                </a14:m>
+                <a:r>
+                  <a:rPr lang="en-US" sz="2400" b="0" dirty="0"/>
+                  <a:t>. This linewidth is caused by the doppler effect. Gas particles moving hundreds of meters per second experience frequencies differently dependent on their direction of travel.</a:t>
+                </a:r>
+              </a:p>
+              <a:p>
+                <a:pPr defTabSz="914400"/>
+                <a:r>
+                  <a:rPr lang="en-US" sz="2400" dirty="0"/>
+                  <a:t>	Doppler free spectroscopy uses counter-propagating beams to cause unique behavior on atoms with very small velocities. The linewidth of peaks on this chart become far smaller, at roughly </a:t>
+                </a:r>
+                <a14:m>
+                  <m:oMath xmlns:m="http://schemas.openxmlformats.org/officeDocument/2006/math">
+                    <m:r>
+                      <a:rPr lang="en-US" sz="2400" i="1" dirty="0" smtClean="0">
+                        <a:latin typeface="Cambria Math" panose="02040503050406030204" pitchFamily="18" charset="0"/>
+                      </a:rPr>
+                      <m:t>6</m:t>
+                    </m:r>
+                    <m:r>
+                      <a:rPr lang="en-US" sz="2400" b="0" i="0" dirty="0" smtClean="0">
+                        <a:latin typeface="Cambria Math" panose="02040503050406030204" pitchFamily="18" charset="0"/>
+                      </a:rPr>
+                      <m:t> </m:t>
+                    </m:r>
+                    <m:r>
+                      <m:rPr>
+                        <m:sty m:val="p"/>
+                      </m:rPr>
+                      <a:rPr lang="en-US" sz="2400" i="0" dirty="0" smtClean="0">
+                        <a:latin typeface="Cambria Math" panose="02040503050406030204" pitchFamily="18" charset="0"/>
+                      </a:rPr>
+                      <m:t>KHz</m:t>
+                    </m:r>
+                  </m:oMath>
+                </a14:m>
+                <a:r>
+                  <a:rPr lang="en-US" sz="2400" b="0" dirty="0"/>
+                  <a:t>. At this scale, we can see Hyperfin</a:t>
+                </a:r>
+                <a:r>
+                  <a:rPr lang="en-US" sz="2400" dirty="0"/>
+                  <a:t>e transitions in rubidium and strong crossover peaks. We chose to perform locking on one of these narrow crossover peaks, so as to ensure a stable lock close to the middle of the doppler broadened absorption spectrum.</a:t>
+                </a:r>
+                <a:endParaRPr lang="en-US" sz="2400" b="0" dirty="0"/>
+              </a:p>
+              <a:p>
+                <a:pPr defTabSz="914400"/>
+                <a:endParaRPr lang="en-US" sz="2800" dirty="0">
+                  <a:latin typeface="+mj-lt"/>
+                </a:endParaRPr>
+              </a:p>
+              <a:p>
+                <a:pPr defTabSz="914400"/>
+                <a:endParaRPr lang="en-US" sz="2800" dirty="0"/>
+              </a:p>
+              <a:p>
+                <a:pPr defTabSz="914400"/>
+                <a:endParaRPr lang="en-US" sz="2800" dirty="0"/>
+              </a:p>
+            </p:txBody>
+          </p:sp>
+        </mc:Choice>
+        <mc:Fallback>
+          <p:sp>
+            <p:nvSpPr>
+              <p:cNvPr id="80" name="TextBox 79">
+                <a:extLst>
+                  <a:ext uri="{FF2B5EF4-FFF2-40B4-BE49-F238E27FC236}">
+                    <a16:creationId xmlns:a16="http://schemas.microsoft.com/office/drawing/2014/main" id="{97ECB86D-B772-4D36-9FCC-1F3B914F7029}"/>
+                  </a:ext>
+                </a:extLst>
+              </p:cNvPr>
+              <p:cNvSpPr txBox="1">
+                <a:spLocks noRot="1" noChangeAspect="1" noMove="1" noResize="1" noEditPoints="1" noAdjustHandles="1" noChangeArrowheads="1" noChangeShapeType="1" noTextEdit="1"/>
+              </p:cNvSpPr>
+              <p:nvPr/>
+            </p:nvSpPr>
+            <p:spPr>
+              <a:xfrm>
+                <a:off x="18987570" y="6788414"/>
+                <a:ext cx="10425630" cy="8545193"/>
+              </a:xfrm>
+              <a:prstGeom prst="rect">
+                <a:avLst/>
+              </a:prstGeom>
+              <a:blipFill>
+                <a:blip r:embed="rId13"/>
+                <a:stretch>
+                  <a:fillRect/>
+                </a:stretch>
+              </a:blipFill>
+              <a:ln w="76200">
+                <a:solidFill>
+                  <a:schemeClr val="accent2"/>
+                </a:solidFill>
+              </a:ln>
+            </p:spPr>
+            <p:txBody>
+              <a:bodyPr/>
+              <a:lstStyle/>
+              <a:p>
+                <a:r>
+                  <a:rPr lang="en-US">
+                    <a:noFill/>
+                  </a:rPr>
+                  <a:t> </a:t>
+                </a:r>
+              </a:p>
+            </p:txBody>
+          </p:sp>
+        </mc:Fallback>
+      </mc:AlternateContent>
+      <p:sp>
+        <p:nvSpPr>
+          <p:cNvPr id="81" name="TextBox 80">
+            <a:extLst>
+              <a:ext uri="{FF2B5EF4-FFF2-40B4-BE49-F238E27FC236}">
+                <a16:creationId xmlns:a16="http://schemas.microsoft.com/office/drawing/2014/main" id="{55C1CC81-F012-4C7B-918F-1DDA1D15DD55}"/>
+              </a:ext>
+            </a:extLst>
+          </p:cNvPr>
+          <p:cNvSpPr txBox="1"/>
+          <p:nvPr/>
+        </p:nvSpPr>
+        <p:spPr>
+          <a:xfrm>
+            <a:off x="21005301" y="6349541"/>
+            <a:ext cx="6795122" cy="830997"/>
+          </a:xfrm>
+          <a:prstGeom prst="rect">
+            <a:avLst/>
+          </a:prstGeom>
+          <a:solidFill>
+            <a:schemeClr val="bg1"/>
+          </a:solidFill>
+          <a:ln w="76200">
+            <a:solidFill>
+              <a:schemeClr val="accent2"/>
+            </a:solidFill>
+          </a:ln>
+        </p:spPr>
+        <p:txBody>
+          <a:bodyPr wrap="square" rtlCol="0">
+            <a:spAutoFit/>
+          </a:bodyPr>
+          <a:lstStyle/>
+          <a:p>
+            <a:pPr algn="ctr"/>
+            <a:r>
+              <a:rPr lang="en-US" sz="4800" dirty="0">
+                <a:latin typeface="+mj-lt"/>
+              </a:rPr>
+              <a:t>Methods</a:t>
+            </a:r>
+            <a:endParaRPr lang="en-US" dirty="0">
+              <a:latin typeface="+mj-lt"/>
+            </a:endParaRPr>
+          </a:p>
+        </p:txBody>
+      </p:sp>
+      <p:pic>
+        <p:nvPicPr>
+          <p:cNvPr id="13" name="Picture 12">
+            <a:extLst>
+              <a:ext uri="{FF2B5EF4-FFF2-40B4-BE49-F238E27FC236}">
+                <a16:creationId xmlns:a16="http://schemas.microsoft.com/office/drawing/2014/main" id="{84543D51-4D0D-4B5E-B476-A386FBE8B95B}"/>
+              </a:ext>
+            </a:extLst>
+          </p:cNvPr>
+          <p:cNvPicPr>
+            <a:picLocks noChangeAspect="1"/>
+          </p:cNvPicPr>
+          <p:nvPr/>
+        </p:nvPicPr>
+        <p:blipFill rotWithShape="1">
+          <a:blip r:embed="rId14">
+            <a:extLst>
+              <a:ext uri="{28A0092B-C50C-407E-A947-70E740481C1C}">
+                <a14:useLocalDpi xmlns:a14="http://schemas.microsoft.com/office/drawing/2010/main" val="0"/>
+              </a:ext>
+            </a:extLst>
+          </a:blip>
+          <a:srcRect l="7655" t="7126" r="7655" b="3585"/>
+          <a:stretch/>
+        </p:blipFill>
+        <p:spPr>
+          <a:xfrm>
+            <a:off x="19080453" y="17808148"/>
+            <a:ext cx="10217454" cy="5379166"/>
+          </a:xfrm>
+          <a:prstGeom prst="rect">
+            <a:avLst/>
+          </a:prstGeom>
+        </p:spPr>
+      </p:pic>
+      <mc:AlternateContent xmlns:mc="http://schemas.openxmlformats.org/markup-compatibility/2006">
+        <mc:Choice xmlns:a14="http://schemas.microsoft.com/office/drawing/2010/main" Requires="a14">
+          <p:sp>
+            <p:nvSpPr>
+              <p:cNvPr id="31" name="TextBox 30">
+                <a:extLst>
+                  <a:ext uri="{FF2B5EF4-FFF2-40B4-BE49-F238E27FC236}">
+                    <a16:creationId xmlns:a16="http://schemas.microsoft.com/office/drawing/2014/main" id="{E02E7A18-8C14-458F-ADDF-EE2AD34B7DA6}"/>
+                  </a:ext>
+                </a:extLst>
+              </p:cNvPr>
+              <p:cNvSpPr txBox="1"/>
+              <p:nvPr/>
+            </p:nvSpPr>
+            <p:spPr>
+              <a:xfrm>
+                <a:off x="21537424" y="17462289"/>
+                <a:ext cx="5305296" cy="646331"/>
+              </a:xfrm>
+              <a:prstGeom prst="rect">
+                <a:avLst/>
+              </a:prstGeom>
+              <a:solidFill>
+                <a:schemeClr val="bg1"/>
+              </a:solidFill>
+            </p:spPr>
+            <p:txBody>
+              <a:bodyPr wrap="square" rtlCol="0">
+                <a:spAutoFit/>
+              </a:bodyPr>
+              <a:lstStyle/>
+              <a:p>
+                <a:pPr algn="ctr"/>
+                <a:r>
+                  <a:rPr lang="en-US" sz="3600" dirty="0"/>
+                  <a:t>Hyperfine </a:t>
+                </a:r>
+                <a14:m>
+                  <m:oMath xmlns:m="http://schemas.openxmlformats.org/officeDocument/2006/math">
+                    <m:r>
+                      <a:rPr lang="en-US" sz="3600" b="0" i="1" smtClean="0">
+                        <a:latin typeface="Cambria Math" panose="02040503050406030204" pitchFamily="18" charset="0"/>
+                      </a:rPr>
+                      <m:t>𝑅𝑏</m:t>
+                    </m:r>
+                  </m:oMath>
+                </a14:m>
+                <a:r>
+                  <a:rPr lang="en-US" sz="3600" dirty="0"/>
+                  <a:t> Spectrum</a:t>
+                </a:r>
+              </a:p>
+            </p:txBody>
+          </p:sp>
+        </mc:Choice>
+        <mc:Fallback>
+          <p:sp>
+            <p:nvSpPr>
+              <p:cNvPr id="31" name="TextBox 30">
+                <a:extLst>
+                  <a:ext uri="{FF2B5EF4-FFF2-40B4-BE49-F238E27FC236}">
+                    <a16:creationId xmlns:a16="http://schemas.microsoft.com/office/drawing/2014/main" id="{E02E7A18-8C14-458F-ADDF-EE2AD34B7DA6}"/>
+                  </a:ext>
+                </a:extLst>
+              </p:cNvPr>
+              <p:cNvSpPr txBox="1">
+                <a:spLocks noRot="1" noChangeAspect="1" noMove="1" noResize="1" noEditPoints="1" noAdjustHandles="1" noChangeArrowheads="1" noChangeShapeType="1" noTextEdit="1"/>
+              </p:cNvSpPr>
+              <p:nvPr/>
+            </p:nvSpPr>
+            <p:spPr>
+              <a:xfrm>
+                <a:off x="21537424" y="17462289"/>
+                <a:ext cx="5305296" cy="646331"/>
+              </a:xfrm>
+              <a:prstGeom prst="rect">
+                <a:avLst/>
+              </a:prstGeom>
+              <a:blipFill>
+                <a:blip r:embed="rId15"/>
+                <a:stretch>
+                  <a:fillRect l="-2644" t="-15094" r="-2644" b="-34906"/>
+                </a:stretch>
+              </a:blipFill>
+            </p:spPr>
+            <p:txBody>
+              <a:bodyPr/>
+              <a:lstStyle/>
+              <a:p>
+                <a:r>
+                  <a:rPr lang="en-US">
+                    <a:noFill/>
+                  </a:rPr>
+                  <a:t> </a:t>
+                </a:r>
+              </a:p>
+            </p:txBody>
+          </p:sp>
+        </mc:Fallback>
+      </mc:AlternateContent>
+      <mc:AlternateContent xmlns:mc="http://schemas.openxmlformats.org/markup-compatibility/2006">
+        <mc:Choice xmlns:a14="http://schemas.microsoft.com/office/drawing/2010/main" Requires="a14">
+          <p:sp>
+            <p:nvSpPr>
+              <p:cNvPr id="33" name="TextBox 32">
+                <a:extLst>
+                  <a:ext uri="{FF2B5EF4-FFF2-40B4-BE49-F238E27FC236}">
+                    <a16:creationId xmlns:a16="http://schemas.microsoft.com/office/drawing/2014/main" id="{D9075346-91C3-4BAE-A940-2D34ABE070D3}"/>
+                  </a:ext>
+                </a:extLst>
+              </p:cNvPr>
+              <p:cNvSpPr txBox="1"/>
+              <p:nvPr/>
+            </p:nvSpPr>
+            <p:spPr>
+              <a:xfrm>
+                <a:off x="26730960" y="19801307"/>
+                <a:ext cx="1900601" cy="1284454"/>
+              </a:xfrm>
+              <a:prstGeom prst="rect">
+                <a:avLst/>
+              </a:prstGeom>
+              <a:solidFill>
+                <a:schemeClr val="bg1"/>
+              </a:solidFill>
+              <a:ln w="12700">
+                <a:solidFill>
+                  <a:schemeClr val="accent1"/>
+                </a:solidFill>
+                <a:prstDash val="sysDash"/>
+              </a:ln>
+            </p:spPr>
+            <p:txBody>
+              <a:bodyPr wrap="square" rtlCol="0">
+                <a:spAutoFit/>
+              </a:bodyPr>
+              <a:lstStyle/>
+              <a:p>
+                <a:r>
+                  <a:rPr lang="en-US" sz="1050" dirty="0"/>
+                  <a:t>Peaks Legend:</a:t>
+                </a:r>
+              </a:p>
+              <a:p>
+                <a:pPr marL="228600" indent="-228600">
+                  <a:buAutoNum type="alphaLcParenBoth"/>
+                </a:pPr>
+                <a14:m>
+                  <m:oMath xmlns:m="http://schemas.openxmlformats.org/officeDocument/2006/math">
+                    <m:sSub>
+                      <m:sSubPr>
+                        <m:ctrlPr>
+                          <a:rPr lang="en-US" sz="1050" b="0" dirty="0" smtClean="0">
+                            <a:latin typeface="Cambria Math" panose="02040503050406030204" pitchFamily="18" charset="0"/>
+                          </a:rPr>
+                        </m:ctrlPr>
+                      </m:sSubPr>
+                      <m:e>
+                        <m:r>
+                          <m:rPr>
+                            <m:sty m:val="p"/>
+                          </m:rPr>
+                          <a:rPr lang="en-US" sz="1050" b="0" i="0" dirty="0" smtClean="0">
+                            <a:latin typeface="Cambria Math" panose="02040503050406030204" pitchFamily="18" charset="0"/>
+                          </a:rPr>
+                          <m:t>F</m:t>
+                        </m:r>
+                      </m:e>
+                      <m:sub>
+                        <m:r>
+                          <m:rPr>
+                            <m:sty m:val="p"/>
+                          </m:rPr>
+                          <a:rPr lang="en-US" sz="1050" b="0" i="0" dirty="0" smtClean="0">
+                            <a:latin typeface="Cambria Math" panose="02040503050406030204" pitchFamily="18" charset="0"/>
+                          </a:rPr>
+                          <m:t>g</m:t>
+                        </m:r>
+                      </m:sub>
+                    </m:sSub>
+                    <m:r>
+                      <a:rPr lang="en-US" sz="1050" b="0" i="0" dirty="0" smtClean="0">
+                        <a:latin typeface="Cambria Math" panose="02040503050406030204" pitchFamily="18" charset="0"/>
+                      </a:rPr>
+                      <m:t>=2 → </m:t>
+                    </m:r>
+                    <m:r>
+                      <m:rPr>
+                        <m:sty m:val="p"/>
+                      </m:rPr>
+                      <a:rPr lang="en-US" sz="1050" b="0" i="0" dirty="0" smtClean="0">
+                        <a:latin typeface="Cambria Math" panose="02040503050406030204" pitchFamily="18" charset="0"/>
+                      </a:rPr>
+                      <m:t>CO</m:t>
+                    </m:r>
+                    <m:r>
+                      <a:rPr lang="en-US" sz="1050" i="0" dirty="0" smtClean="0">
+                        <a:latin typeface="Cambria Math" panose="02040503050406030204" pitchFamily="18" charset="0"/>
+                      </a:rPr>
+                      <m:t>23</m:t>
+                    </m:r>
+                    <m:r>
+                      <a:rPr lang="en-US" sz="1050" b="0" i="0" dirty="0" smtClean="0">
+                        <a:latin typeface="Cambria Math" panose="02040503050406030204" pitchFamily="18" charset="0"/>
+                      </a:rPr>
+                      <m:t>  </m:t>
+                    </m:r>
+                  </m:oMath>
+                </a14:m>
+                <a:endParaRPr lang="en-US" sz="1050" dirty="0"/>
+              </a:p>
+              <a:p>
+                <a:pPr marL="228600" indent="-228600">
+                  <a:buFontTx/>
+                  <a:buAutoNum type="alphaLcParenBoth"/>
+                </a:pPr>
+                <a14:m>
+                  <m:oMath xmlns:m="http://schemas.openxmlformats.org/officeDocument/2006/math">
+                    <m:sSub>
+                      <m:sSubPr>
+                        <m:ctrlPr>
+                          <a:rPr lang="en-US" sz="1050" b="0" dirty="0" smtClean="0">
+                            <a:latin typeface="Cambria Math" panose="02040503050406030204" pitchFamily="18" charset="0"/>
+                          </a:rPr>
+                        </m:ctrlPr>
+                      </m:sSubPr>
+                      <m:e>
+                        <m:r>
+                          <m:rPr>
+                            <m:sty m:val="p"/>
+                          </m:rPr>
+                          <a:rPr lang="en-US" sz="1050" b="0" i="0" dirty="0" smtClean="0">
+                            <a:latin typeface="Cambria Math" panose="02040503050406030204" pitchFamily="18" charset="0"/>
+                          </a:rPr>
+                          <m:t>F</m:t>
+                        </m:r>
+                      </m:e>
+                      <m:sub>
+                        <m:r>
+                          <m:rPr>
+                            <m:sty m:val="p"/>
+                          </m:rPr>
+                          <a:rPr lang="en-US" sz="1050" b="0" i="0" dirty="0" smtClean="0">
+                            <a:latin typeface="Cambria Math" panose="02040503050406030204" pitchFamily="18" charset="0"/>
+                          </a:rPr>
+                          <m:t>g</m:t>
+                        </m:r>
+                      </m:sub>
+                    </m:sSub>
+                    <m:r>
+                      <a:rPr lang="en-US" sz="1050" b="0" i="0" dirty="0" smtClean="0">
+                        <a:latin typeface="Cambria Math" panose="02040503050406030204" pitchFamily="18" charset="0"/>
+                      </a:rPr>
+                      <m:t>=2 → </m:t>
+                    </m:r>
+                    <m:r>
+                      <m:rPr>
+                        <m:sty m:val="p"/>
+                      </m:rPr>
+                      <a:rPr lang="en-US" sz="1050" b="0" i="0" dirty="0" smtClean="0">
+                        <a:latin typeface="Cambria Math" panose="02040503050406030204" pitchFamily="18" charset="0"/>
+                      </a:rPr>
+                      <m:t>CO</m:t>
+                    </m:r>
+                    <m:r>
+                      <a:rPr lang="en-US" sz="1050" b="0" i="0" dirty="0" smtClean="0">
+                        <a:latin typeface="Cambria Math" panose="02040503050406030204" pitchFamily="18" charset="0"/>
+                      </a:rPr>
+                      <m:t>13  </m:t>
+                    </m:r>
+                  </m:oMath>
+                </a14:m>
+                <a:endParaRPr lang="en-US" sz="1050" dirty="0"/>
+              </a:p>
+              <a:p>
+                <a:pPr marL="228600" indent="-228600">
+                  <a:buFontTx/>
+                  <a:buAutoNum type="alphaLcParenBoth"/>
+                </a:pPr>
+                <a14:m>
+                  <m:oMath xmlns:m="http://schemas.openxmlformats.org/officeDocument/2006/math">
+                    <m:sSub>
+                      <m:sSubPr>
+                        <m:ctrlPr>
+                          <a:rPr lang="en-US" sz="1050" b="0" dirty="0" smtClean="0">
+                            <a:latin typeface="Cambria Math" panose="02040503050406030204" pitchFamily="18" charset="0"/>
+                          </a:rPr>
+                        </m:ctrlPr>
+                      </m:sSubPr>
+                      <m:e>
+                        <m:r>
+                          <m:rPr>
+                            <m:sty m:val="p"/>
+                          </m:rPr>
+                          <a:rPr lang="en-US" sz="1050" b="0" i="0" dirty="0" smtClean="0">
+                            <a:latin typeface="Cambria Math" panose="02040503050406030204" pitchFamily="18" charset="0"/>
+                          </a:rPr>
+                          <m:t>F</m:t>
+                        </m:r>
+                      </m:e>
+                      <m:sub>
+                        <m:r>
+                          <m:rPr>
+                            <m:sty m:val="p"/>
+                          </m:rPr>
+                          <a:rPr lang="en-US" sz="1050" b="0" i="0" dirty="0" smtClean="0">
+                            <a:latin typeface="Cambria Math" panose="02040503050406030204" pitchFamily="18" charset="0"/>
+                          </a:rPr>
+                          <m:t>g</m:t>
+                        </m:r>
+                      </m:sub>
+                    </m:sSub>
+                    <m:r>
+                      <a:rPr lang="en-US" sz="1050" b="0" i="0" dirty="0" smtClean="0">
+                        <a:latin typeface="Cambria Math" panose="02040503050406030204" pitchFamily="18" charset="0"/>
+                      </a:rPr>
+                      <m:t>=3 → </m:t>
+                    </m:r>
+                    <m:r>
+                      <m:rPr>
+                        <m:sty m:val="p"/>
+                      </m:rPr>
+                      <a:rPr lang="en-US" sz="1050" b="0" i="0" dirty="0" smtClean="0">
+                        <a:latin typeface="Cambria Math" panose="02040503050406030204" pitchFamily="18" charset="0"/>
+                      </a:rPr>
+                      <m:t>CO</m:t>
+                    </m:r>
+                    <m:r>
+                      <a:rPr lang="en-US" sz="1050" i="0" dirty="0" smtClean="0">
+                        <a:latin typeface="Cambria Math" panose="02040503050406030204" pitchFamily="18" charset="0"/>
+                      </a:rPr>
+                      <m:t>23</m:t>
+                    </m:r>
+                    <m:r>
+                      <a:rPr lang="en-US" sz="1050" b="0" i="0" dirty="0" smtClean="0">
+                        <a:latin typeface="Cambria Math" panose="02040503050406030204" pitchFamily="18" charset="0"/>
+                      </a:rPr>
+                      <m:t>  </m:t>
+                    </m:r>
+                  </m:oMath>
+                </a14:m>
+                <a:endParaRPr lang="en-US" sz="1050" dirty="0"/>
+              </a:p>
+              <a:p>
+                <a:pPr marL="228600" indent="-228600">
+                  <a:buFontTx/>
+                  <a:buAutoNum type="alphaLcParenBoth"/>
+                </a:pPr>
+                <a14:m>
+                  <m:oMath xmlns:m="http://schemas.openxmlformats.org/officeDocument/2006/math">
+                    <m:sSub>
+                      <m:sSubPr>
+                        <m:ctrlPr>
+                          <a:rPr lang="en-US" sz="1050" b="0" dirty="0" smtClean="0">
+                            <a:latin typeface="Cambria Math" panose="02040503050406030204" pitchFamily="18" charset="0"/>
+                          </a:rPr>
+                        </m:ctrlPr>
+                      </m:sSubPr>
+                      <m:e>
+                        <m:r>
+                          <m:rPr>
+                            <m:sty m:val="p"/>
+                          </m:rPr>
+                          <a:rPr lang="en-US" sz="1050" b="0" i="0" dirty="0" smtClean="0">
+                            <a:latin typeface="Cambria Math" panose="02040503050406030204" pitchFamily="18" charset="0"/>
+                          </a:rPr>
+                          <m:t>F</m:t>
+                        </m:r>
+                      </m:e>
+                      <m:sub>
+                        <m:r>
+                          <m:rPr>
+                            <m:sty m:val="p"/>
+                          </m:rPr>
+                          <a:rPr lang="en-US" sz="1050" b="0" i="0" dirty="0" smtClean="0">
+                            <a:latin typeface="Cambria Math" panose="02040503050406030204" pitchFamily="18" charset="0"/>
+                          </a:rPr>
+                          <m:t>g</m:t>
+                        </m:r>
+                      </m:sub>
+                    </m:sSub>
+                    <m:r>
+                      <a:rPr lang="en-US" sz="1050" b="0" i="0" dirty="0" smtClean="0">
+                        <a:latin typeface="Cambria Math" panose="02040503050406030204" pitchFamily="18" charset="0"/>
+                      </a:rPr>
+                      <m:t>=3 → </m:t>
+                    </m:r>
+                    <m:r>
+                      <m:rPr>
+                        <m:sty m:val="p"/>
+                      </m:rPr>
+                      <a:rPr lang="en-US" sz="1050" b="0" i="0" dirty="0" smtClean="0">
+                        <a:latin typeface="Cambria Math" panose="02040503050406030204" pitchFamily="18" charset="0"/>
+                      </a:rPr>
+                      <m:t>CO</m:t>
+                    </m:r>
+                    <m:r>
+                      <a:rPr lang="en-US" sz="1050" i="0" dirty="0" smtClean="0">
+                        <a:latin typeface="Cambria Math" panose="02040503050406030204" pitchFamily="18" charset="0"/>
+                      </a:rPr>
+                      <m:t>23</m:t>
+                    </m:r>
+                    <m:r>
+                      <a:rPr lang="en-US" sz="1050" b="0" i="0" dirty="0" smtClean="0">
+                        <a:latin typeface="Cambria Math" panose="02040503050406030204" pitchFamily="18" charset="0"/>
+                      </a:rPr>
+                      <m:t>  </m:t>
+                    </m:r>
+                  </m:oMath>
+                </a14:m>
+                <a:endParaRPr lang="en-US" sz="1050" dirty="0"/>
+              </a:p>
+              <a:p>
+                <a:pPr marL="228600" indent="-228600">
+                  <a:buAutoNum type="alphaLcParenBoth"/>
+                </a:pPr>
+                <a:endParaRPr lang="en-US" sz="1050" dirty="0"/>
+              </a:p>
+              <a:p>
+                <a:endParaRPr lang="en-US" sz="1050" dirty="0"/>
+              </a:p>
+            </p:txBody>
+          </p:sp>
+        </mc:Choice>
+        <mc:Fallback>
+          <p:sp>
+            <p:nvSpPr>
+              <p:cNvPr id="33" name="TextBox 32">
+                <a:extLst>
+                  <a:ext uri="{FF2B5EF4-FFF2-40B4-BE49-F238E27FC236}">
+                    <a16:creationId xmlns:a16="http://schemas.microsoft.com/office/drawing/2014/main" id="{D9075346-91C3-4BAE-A940-2D34ABE070D3}"/>
+                  </a:ext>
+                </a:extLst>
+              </p:cNvPr>
+              <p:cNvSpPr txBox="1">
+                <a:spLocks noRot="1" noChangeAspect="1" noMove="1" noResize="1" noEditPoints="1" noAdjustHandles="1" noChangeArrowheads="1" noChangeShapeType="1" noTextEdit="1"/>
+              </p:cNvSpPr>
+              <p:nvPr/>
+            </p:nvSpPr>
+            <p:spPr>
+              <a:xfrm>
+                <a:off x="26730960" y="19801307"/>
+                <a:ext cx="1900601" cy="1284454"/>
+              </a:xfrm>
+              <a:prstGeom prst="rect">
+                <a:avLst/>
+              </a:prstGeom>
+              <a:blipFill>
+                <a:blip r:embed="rId16"/>
+                <a:stretch>
+                  <a:fillRect/>
+                </a:stretch>
+              </a:blipFill>
+              <a:ln w="12700">
+                <a:solidFill>
+                  <a:schemeClr val="accent1"/>
+                </a:solidFill>
+                <a:prstDash val="sysDash"/>
+              </a:ln>
+            </p:spPr>
+            <p:txBody>
+              <a:bodyPr/>
+              <a:lstStyle/>
+              <a:p>
+                <a:r>
+                  <a:rPr lang="en-US">
+                    <a:noFill/>
+                  </a:rPr>
+                  <a:t> </a:t>
+                </a:r>
+              </a:p>
+            </p:txBody>
+          </p:sp>
+        </mc:Fallback>
+      </mc:AlternateContent>
+      <mc:AlternateContent xmlns:mc="http://schemas.openxmlformats.org/markup-compatibility/2006">
+        <mc:Choice xmlns:a14="http://schemas.microsoft.com/office/drawing/2010/main" Requires="a14">
+          <p:sp>
+            <p:nvSpPr>
+              <p:cNvPr id="34" name="TextBox 33">
+                <a:extLst>
+                  <a:ext uri="{FF2B5EF4-FFF2-40B4-BE49-F238E27FC236}">
+                    <a16:creationId xmlns:a16="http://schemas.microsoft.com/office/drawing/2014/main" id="{763DF46C-5FFB-48D9-BCBD-8EA0F6F4BE29}"/>
+                  </a:ext>
+                </a:extLst>
+              </p:cNvPr>
+              <p:cNvSpPr txBox="1"/>
+              <p:nvPr/>
+            </p:nvSpPr>
+            <p:spPr>
+              <a:xfrm>
+                <a:off x="21945600" y="18495582"/>
+                <a:ext cx="1003231" cy="587597"/>
+              </a:xfrm>
+              <a:prstGeom prst="rect">
+                <a:avLst/>
+              </a:prstGeom>
+              <a:noFill/>
+            </p:spPr>
+            <p:txBody>
+              <a:bodyPr wrap="square" rtlCol="0">
+                <a:spAutoFit/>
+              </a:bodyPr>
+              <a:lstStyle/>
+              <a:p>
+                <a:pPr/>
+                <a14:m>
+                  <m:oMathPara xmlns:m="http://schemas.openxmlformats.org/officeDocument/2006/math">
+                    <m:oMathParaPr>
+                      <m:jc m:val="left"/>
+                    </m:oMathParaPr>
+                    <m:oMath xmlns:m="http://schemas.openxmlformats.org/officeDocument/2006/math">
+                      <m:sSup>
+                        <m:sSupPr>
+                          <m:ctrlPr>
+                            <a:rPr lang="en-US" sz="1600" i="1" dirty="0" smtClean="0">
+                              <a:latin typeface="Cambria Math" panose="02040503050406030204" pitchFamily="18" charset="0"/>
+                            </a:rPr>
+                          </m:ctrlPr>
+                        </m:sSupPr>
+                        <m:e>
+                          <m:r>
+                            <a:rPr lang="en-US" sz="1600" b="0" i="1" dirty="0" smtClean="0">
+                              <a:latin typeface="Cambria Math" panose="02040503050406030204" pitchFamily="18" charset="0"/>
+                            </a:rPr>
+                            <m:t> </m:t>
+                          </m:r>
+                        </m:e>
+                        <m:sup>
+                          <m:r>
+                            <a:rPr lang="en-US" sz="1600" b="0" i="1" dirty="0" smtClean="0">
+                              <a:latin typeface="Cambria Math" panose="02040503050406030204" pitchFamily="18" charset="0"/>
+                            </a:rPr>
+                            <m:t>85</m:t>
+                          </m:r>
+                        </m:sup>
+                      </m:sSup>
+                      <m:r>
+                        <a:rPr lang="en-US" sz="1600" i="1" dirty="0" smtClean="0">
+                          <a:latin typeface="Cambria Math" panose="02040503050406030204" pitchFamily="18" charset="0"/>
+                        </a:rPr>
+                        <m:t>𝑅𝑏</m:t>
+                      </m:r>
+                    </m:oMath>
+                  </m:oMathPara>
+                </a14:m>
+                <a:endParaRPr lang="en-US" sz="1600" i="1" dirty="0">
+                  <a:latin typeface="Cambria Math" panose="02040503050406030204" pitchFamily="18" charset="0"/>
+                </a:endParaRPr>
+              </a:p>
+              <a:p>
+                <a:pPr/>
+                <a14:m>
+                  <m:oMathPara xmlns:m="http://schemas.openxmlformats.org/officeDocument/2006/math">
+                    <m:oMathParaPr>
+                      <m:jc m:val="left"/>
+                    </m:oMathParaPr>
+                    <m:oMath xmlns:m="http://schemas.openxmlformats.org/officeDocument/2006/math">
+                      <m:r>
+                        <a:rPr lang="en-US" sz="1600" i="1" dirty="0" smtClean="0">
+                          <a:latin typeface="Cambria Math" panose="02040503050406030204" pitchFamily="18" charset="0"/>
+                        </a:rPr>
+                        <m:t>𝐹</m:t>
+                      </m:r>
+                      <m:r>
+                        <a:rPr lang="en-US" sz="1600" i="1" dirty="0" smtClean="0">
+                          <a:latin typeface="Cambria Math" panose="02040503050406030204" pitchFamily="18" charset="0"/>
+                        </a:rPr>
+                        <m:t>=3</m:t>
+                      </m:r>
+                    </m:oMath>
+                  </m:oMathPara>
+                </a14:m>
+                <a:endParaRPr lang="en-US" sz="1600" dirty="0"/>
+              </a:p>
+            </p:txBody>
+          </p:sp>
+        </mc:Choice>
+        <mc:Fallback>
+          <p:sp>
+            <p:nvSpPr>
+              <p:cNvPr id="34" name="TextBox 33">
+                <a:extLst>
+                  <a:ext uri="{FF2B5EF4-FFF2-40B4-BE49-F238E27FC236}">
+                    <a16:creationId xmlns:a16="http://schemas.microsoft.com/office/drawing/2014/main" id="{763DF46C-5FFB-48D9-BCBD-8EA0F6F4BE29}"/>
+                  </a:ext>
+                </a:extLst>
+              </p:cNvPr>
+              <p:cNvSpPr txBox="1">
+                <a:spLocks noRot="1" noChangeAspect="1" noMove="1" noResize="1" noEditPoints="1" noAdjustHandles="1" noChangeArrowheads="1" noChangeShapeType="1" noTextEdit="1"/>
+              </p:cNvSpPr>
+              <p:nvPr/>
+            </p:nvSpPr>
+            <p:spPr>
+              <a:xfrm>
+                <a:off x="21945600" y="18495582"/>
+                <a:ext cx="1003231" cy="587597"/>
+              </a:xfrm>
+              <a:prstGeom prst="rect">
+                <a:avLst/>
+              </a:prstGeom>
+              <a:blipFill>
+                <a:blip r:embed="rId17"/>
+                <a:stretch>
+                  <a:fillRect/>
+                </a:stretch>
+              </a:blipFill>
+            </p:spPr>
+            <p:txBody>
+              <a:bodyPr/>
+              <a:lstStyle/>
+              <a:p>
+                <a:r>
+                  <a:rPr lang="en-US">
+                    <a:noFill/>
+                  </a:rPr>
+                  <a:t> </a:t>
+                </a:r>
+              </a:p>
+            </p:txBody>
+          </p:sp>
+        </mc:Fallback>
+      </mc:AlternateContent>
+      <mc:AlternateContent xmlns:mc="http://schemas.openxmlformats.org/markup-compatibility/2006">
+        <mc:Choice xmlns:a14="http://schemas.microsoft.com/office/drawing/2010/main" Requires="a14">
+          <p:sp>
+            <p:nvSpPr>
+              <p:cNvPr id="93" name="TextBox 92">
+                <a:extLst>
+                  <a:ext uri="{FF2B5EF4-FFF2-40B4-BE49-F238E27FC236}">
+                    <a16:creationId xmlns:a16="http://schemas.microsoft.com/office/drawing/2014/main" id="{547AEAAA-F4F1-4920-B12D-321F68205F66}"/>
+                  </a:ext>
+                </a:extLst>
+              </p:cNvPr>
+              <p:cNvSpPr txBox="1"/>
+              <p:nvPr/>
+            </p:nvSpPr>
+            <p:spPr>
+              <a:xfrm>
+                <a:off x="20756931" y="18551567"/>
+                <a:ext cx="1003231" cy="587597"/>
+              </a:xfrm>
+              <a:prstGeom prst="rect">
+                <a:avLst/>
+              </a:prstGeom>
+              <a:noFill/>
+            </p:spPr>
+            <p:txBody>
+              <a:bodyPr wrap="square" rtlCol="0">
+                <a:spAutoFit/>
+              </a:bodyPr>
+              <a:lstStyle/>
+              <a:p>
+                <a:pPr/>
+                <a14:m>
+                  <m:oMathPara xmlns:m="http://schemas.openxmlformats.org/officeDocument/2006/math">
+                    <m:oMathParaPr>
+                      <m:jc m:val="left"/>
+                    </m:oMathParaPr>
+                    <m:oMath xmlns:m="http://schemas.openxmlformats.org/officeDocument/2006/math">
+                      <m:sSup>
+                        <m:sSupPr>
+                          <m:ctrlPr>
+                            <a:rPr lang="en-US" sz="1600" i="1" dirty="0" smtClean="0">
+                              <a:latin typeface="Cambria Math" panose="02040503050406030204" pitchFamily="18" charset="0"/>
+                            </a:rPr>
+                          </m:ctrlPr>
+                        </m:sSupPr>
+                        <m:e>
+                          <m:r>
+                            <a:rPr lang="en-US" sz="1600" b="0" i="1" dirty="0" smtClean="0">
+                              <a:latin typeface="Cambria Math" panose="02040503050406030204" pitchFamily="18" charset="0"/>
+                            </a:rPr>
+                            <m:t> </m:t>
+                          </m:r>
+                        </m:e>
+                        <m:sup>
+                          <m:r>
+                            <a:rPr lang="en-US" sz="1600" b="0" i="1" dirty="0" smtClean="0">
+                              <a:latin typeface="Cambria Math" panose="02040503050406030204" pitchFamily="18" charset="0"/>
+                            </a:rPr>
+                            <m:t>87</m:t>
+                          </m:r>
+                        </m:sup>
+                      </m:sSup>
+                      <m:r>
+                        <a:rPr lang="en-US" sz="1600" i="1" dirty="0" smtClean="0">
+                          <a:latin typeface="Cambria Math" panose="02040503050406030204" pitchFamily="18" charset="0"/>
+                        </a:rPr>
+                        <m:t>𝑅𝑏</m:t>
+                      </m:r>
+                    </m:oMath>
+                  </m:oMathPara>
+                </a14:m>
+                <a:endParaRPr lang="en-US" sz="1600" i="1" dirty="0">
+                  <a:latin typeface="Cambria Math" panose="02040503050406030204" pitchFamily="18" charset="0"/>
+                </a:endParaRPr>
+              </a:p>
+              <a:p>
+                <a:pPr/>
+                <a14:m>
+                  <m:oMathPara xmlns:m="http://schemas.openxmlformats.org/officeDocument/2006/math">
+                    <m:oMathParaPr>
+                      <m:jc m:val="left"/>
+                    </m:oMathParaPr>
+                    <m:oMath xmlns:m="http://schemas.openxmlformats.org/officeDocument/2006/math">
+                      <m:r>
+                        <a:rPr lang="en-US" sz="1600" i="1" dirty="0" smtClean="0">
+                          <a:latin typeface="Cambria Math" panose="02040503050406030204" pitchFamily="18" charset="0"/>
+                        </a:rPr>
+                        <m:t>𝐹</m:t>
+                      </m:r>
+                      <m:r>
+                        <a:rPr lang="en-US" sz="1600" i="1" dirty="0" smtClean="0">
+                          <a:latin typeface="Cambria Math" panose="02040503050406030204" pitchFamily="18" charset="0"/>
+                        </a:rPr>
+                        <m:t>=2</m:t>
+                      </m:r>
+                    </m:oMath>
+                  </m:oMathPara>
+                </a14:m>
+                <a:endParaRPr lang="en-US" sz="1600" dirty="0"/>
+              </a:p>
+            </p:txBody>
+          </p:sp>
+        </mc:Choice>
+        <mc:Fallback>
+          <p:sp>
+            <p:nvSpPr>
+              <p:cNvPr id="93" name="TextBox 92">
+                <a:extLst>
+                  <a:ext uri="{FF2B5EF4-FFF2-40B4-BE49-F238E27FC236}">
+                    <a16:creationId xmlns:a16="http://schemas.microsoft.com/office/drawing/2014/main" id="{547AEAAA-F4F1-4920-B12D-321F68205F66}"/>
+                  </a:ext>
+                </a:extLst>
+              </p:cNvPr>
+              <p:cNvSpPr txBox="1">
+                <a:spLocks noRot="1" noChangeAspect="1" noMove="1" noResize="1" noEditPoints="1" noAdjustHandles="1" noChangeArrowheads="1" noChangeShapeType="1" noTextEdit="1"/>
+              </p:cNvSpPr>
+              <p:nvPr/>
+            </p:nvSpPr>
+            <p:spPr>
+              <a:xfrm>
+                <a:off x="20756931" y="18551567"/>
+                <a:ext cx="1003231" cy="587597"/>
+              </a:xfrm>
+              <a:prstGeom prst="rect">
+                <a:avLst/>
+              </a:prstGeom>
+              <a:blipFill>
+                <a:blip r:embed="rId18"/>
+                <a:stretch>
+                  <a:fillRect/>
+                </a:stretch>
+              </a:blipFill>
+            </p:spPr>
+            <p:txBody>
+              <a:bodyPr/>
+              <a:lstStyle/>
+              <a:p>
+                <a:r>
+                  <a:rPr lang="en-US">
+                    <a:noFill/>
+                  </a:rPr>
+                  <a:t> </a:t>
+                </a:r>
+              </a:p>
+            </p:txBody>
+          </p:sp>
+        </mc:Fallback>
+      </mc:AlternateContent>
+      <mc:AlternateContent xmlns:mc="http://schemas.openxmlformats.org/markup-compatibility/2006">
+        <mc:Choice xmlns:a14="http://schemas.microsoft.com/office/drawing/2010/main" Requires="a14">
+          <p:sp>
+            <p:nvSpPr>
+              <p:cNvPr id="94" name="TextBox 93">
+                <a:extLst>
+                  <a:ext uri="{FF2B5EF4-FFF2-40B4-BE49-F238E27FC236}">
+                    <a16:creationId xmlns:a16="http://schemas.microsoft.com/office/drawing/2014/main" id="{218AD8D2-3002-4257-94D5-7611F64988CE}"/>
+                  </a:ext>
+                </a:extLst>
+              </p:cNvPr>
+              <p:cNvSpPr txBox="1"/>
+              <p:nvPr/>
+            </p:nvSpPr>
+            <p:spPr>
+              <a:xfrm>
+                <a:off x="24897605" y="18550974"/>
+                <a:ext cx="1003231" cy="610808"/>
+              </a:xfrm>
+              <a:prstGeom prst="rect">
+                <a:avLst/>
+              </a:prstGeom>
+              <a:noFill/>
+            </p:spPr>
+            <p:txBody>
+              <a:bodyPr wrap="square" rtlCol="0">
+                <a:spAutoFit/>
+              </a:bodyPr>
+              <a:lstStyle/>
+              <a:p>
+                <a:pPr/>
+                <a14:m>
+                  <m:oMathPara xmlns:m="http://schemas.openxmlformats.org/officeDocument/2006/math">
+                    <m:oMathParaPr>
+                      <m:jc m:val="left"/>
+                    </m:oMathParaPr>
+                    <m:oMath xmlns:m="http://schemas.openxmlformats.org/officeDocument/2006/math">
+                      <m:sSup>
+                        <m:sSupPr>
+                          <m:ctrlPr>
+                            <a:rPr lang="en-US" sz="1600" i="1" dirty="0" smtClean="0">
+                              <a:latin typeface="Cambria Math" panose="02040503050406030204" pitchFamily="18" charset="0"/>
+                            </a:rPr>
+                          </m:ctrlPr>
+                        </m:sSupPr>
+                        <m:e>
+                          <m:r>
+                            <a:rPr lang="en-US" sz="1600" b="0" i="1" dirty="0" smtClean="0">
+                              <a:latin typeface="Cambria Math" panose="02040503050406030204" pitchFamily="18" charset="0"/>
+                            </a:rPr>
+                            <m:t> </m:t>
+                          </m:r>
+                        </m:e>
+                        <m:sup>
+                          <m:r>
+                            <a:rPr lang="en-US" sz="1600" b="0" i="1" dirty="0" smtClean="0">
+                              <a:latin typeface="Cambria Math" panose="02040503050406030204" pitchFamily="18" charset="0"/>
+                            </a:rPr>
+                            <m:t>85</m:t>
+                          </m:r>
+                        </m:sup>
+                      </m:sSup>
+                      <m:r>
+                        <a:rPr lang="en-US" sz="1600" i="1" dirty="0" smtClean="0">
+                          <a:latin typeface="Cambria Math" panose="02040503050406030204" pitchFamily="18" charset="0"/>
+                        </a:rPr>
+                        <m:t>𝑅𝑏</m:t>
+                      </m:r>
+                    </m:oMath>
+                  </m:oMathPara>
+                </a14:m>
+                <a:endParaRPr lang="en-US" sz="1600" i="1" dirty="0">
+                  <a:latin typeface="Cambria Math" panose="02040503050406030204" pitchFamily="18" charset="0"/>
+                </a:endParaRPr>
+              </a:p>
+              <a:p>
+                <a:pPr/>
+                <a:r>
+                  <a:rPr lang="en-US" sz="1600" dirty="0"/>
+                  <a:t> </a:t>
+                </a:r>
+                <a14:m>
+                  <m:oMath xmlns:m="http://schemas.openxmlformats.org/officeDocument/2006/math">
+                    <m:sSub>
+                      <m:sSubPr>
+                        <m:ctrlPr>
+                          <a:rPr lang="en-US" sz="1600" b="0" i="0" dirty="0" smtClean="0">
+                            <a:latin typeface="Cambria Math" panose="02040503050406030204" pitchFamily="18" charset="0"/>
+                          </a:rPr>
+                        </m:ctrlPr>
+                      </m:sSubPr>
+                      <m:e>
+                        <m:r>
+                          <m:rPr>
+                            <m:sty m:val="p"/>
+                          </m:rPr>
+                          <a:rPr lang="en-US" sz="1600" b="0" i="0" dirty="0" smtClean="0">
+                            <a:latin typeface="Cambria Math" panose="02040503050406030204" pitchFamily="18" charset="0"/>
+                          </a:rPr>
+                          <m:t>F</m:t>
+                        </m:r>
+                      </m:e>
+                      <m:sub>
+                        <m:r>
+                          <m:rPr>
+                            <m:sty m:val="p"/>
+                          </m:rPr>
+                          <a:rPr lang="en-US" sz="1600" b="0" i="0" dirty="0" smtClean="0">
+                            <a:latin typeface="Cambria Math" panose="02040503050406030204" pitchFamily="18" charset="0"/>
+                          </a:rPr>
+                          <m:t>g</m:t>
+                        </m:r>
+                      </m:sub>
+                    </m:sSub>
+                    <m:r>
+                      <a:rPr lang="en-US" sz="1600" i="1" dirty="0" smtClean="0">
+                        <a:latin typeface="Cambria Math" panose="02040503050406030204" pitchFamily="18" charset="0"/>
+                      </a:rPr>
+                      <m:t>=</m:t>
+                    </m:r>
+                    <m:r>
+                      <a:rPr lang="en-US" sz="1600" b="0" i="1" dirty="0" smtClean="0">
+                        <a:latin typeface="Cambria Math" panose="02040503050406030204" pitchFamily="18" charset="0"/>
+                      </a:rPr>
+                      <m:t>2</m:t>
+                    </m:r>
+                  </m:oMath>
+                </a14:m>
+                <a:endParaRPr lang="en-US" sz="1600" dirty="0"/>
+              </a:p>
+            </p:txBody>
+          </p:sp>
+        </mc:Choice>
+        <mc:Fallback>
+          <p:sp>
+            <p:nvSpPr>
+              <p:cNvPr id="94" name="TextBox 93">
+                <a:extLst>
+                  <a:ext uri="{FF2B5EF4-FFF2-40B4-BE49-F238E27FC236}">
+                    <a16:creationId xmlns:a16="http://schemas.microsoft.com/office/drawing/2014/main" id="{218AD8D2-3002-4257-94D5-7611F64988CE}"/>
+                  </a:ext>
+                </a:extLst>
+              </p:cNvPr>
+              <p:cNvSpPr txBox="1">
+                <a:spLocks noRot="1" noChangeAspect="1" noMove="1" noResize="1" noEditPoints="1" noAdjustHandles="1" noChangeArrowheads="1" noChangeShapeType="1" noTextEdit="1"/>
+              </p:cNvSpPr>
+              <p:nvPr/>
+            </p:nvSpPr>
+            <p:spPr>
+              <a:xfrm>
+                <a:off x="24897605" y="18550974"/>
+                <a:ext cx="1003231" cy="610808"/>
+              </a:xfrm>
+              <a:prstGeom prst="rect">
+                <a:avLst/>
+              </a:prstGeom>
+              <a:blipFill>
+                <a:blip r:embed="rId19"/>
+                <a:stretch>
+                  <a:fillRect b="-1000"/>
+                </a:stretch>
+              </a:blipFill>
+            </p:spPr>
+            <p:txBody>
+              <a:bodyPr/>
+              <a:lstStyle/>
+              <a:p>
+                <a:r>
+                  <a:rPr lang="en-US">
+                    <a:noFill/>
+                  </a:rPr>
+                  <a:t> </a:t>
+                </a:r>
+              </a:p>
+            </p:txBody>
+          </p:sp>
+        </mc:Fallback>
+      </mc:AlternateContent>
+      <mc:AlternateContent xmlns:mc="http://schemas.openxmlformats.org/markup-compatibility/2006">
+        <mc:Choice xmlns:a14="http://schemas.microsoft.com/office/drawing/2010/main" Requires="a14">
+          <p:sp>
+            <p:nvSpPr>
+              <p:cNvPr id="95" name="TextBox 94">
+                <a:extLst>
+                  <a:ext uri="{FF2B5EF4-FFF2-40B4-BE49-F238E27FC236}">
+                    <a16:creationId xmlns:a16="http://schemas.microsoft.com/office/drawing/2014/main" id="{1BF25ADA-CDCB-477C-8D75-E43B18268281}"/>
+                  </a:ext>
+                </a:extLst>
+              </p:cNvPr>
+              <p:cNvSpPr txBox="1"/>
+              <p:nvPr/>
+            </p:nvSpPr>
+            <p:spPr>
+              <a:xfrm>
+                <a:off x="27489437" y="18459634"/>
+                <a:ext cx="1003231" cy="604781"/>
+              </a:xfrm>
+              <a:prstGeom prst="rect">
+                <a:avLst/>
+              </a:prstGeom>
+              <a:noFill/>
+            </p:spPr>
+            <p:txBody>
+              <a:bodyPr wrap="square" rtlCol="0">
+                <a:spAutoFit/>
+              </a:bodyPr>
+              <a:lstStyle/>
+              <a:p>
+                <a:pPr/>
+                <a14:m>
+                  <m:oMathPara xmlns:m="http://schemas.openxmlformats.org/officeDocument/2006/math">
+                    <m:oMathParaPr>
+                      <m:jc m:val="left"/>
+                    </m:oMathParaPr>
+                    <m:oMath xmlns:m="http://schemas.openxmlformats.org/officeDocument/2006/math">
+                      <m:sSup>
+                        <m:sSupPr>
+                          <m:ctrlPr>
+                            <a:rPr lang="en-US" sz="1600" i="1" dirty="0" smtClean="0">
+                              <a:latin typeface="Cambria Math" panose="02040503050406030204" pitchFamily="18" charset="0"/>
+                            </a:rPr>
+                          </m:ctrlPr>
+                        </m:sSupPr>
+                        <m:e>
+                          <m:r>
+                            <a:rPr lang="en-US" sz="1600" b="0" i="1" dirty="0" smtClean="0">
+                              <a:latin typeface="Cambria Math" panose="02040503050406030204" pitchFamily="18" charset="0"/>
+                            </a:rPr>
+                            <m:t> </m:t>
+                          </m:r>
+                        </m:e>
+                        <m:sup>
+                          <m:r>
+                            <a:rPr lang="en-US" sz="1600" b="0" i="1" dirty="0" smtClean="0">
+                              <a:latin typeface="Cambria Math" panose="02040503050406030204" pitchFamily="18" charset="0"/>
+                            </a:rPr>
+                            <m:t>87</m:t>
+                          </m:r>
+                        </m:sup>
+                      </m:sSup>
+                      <m:r>
+                        <a:rPr lang="en-US" sz="1600" i="1" dirty="0" smtClean="0">
+                          <a:latin typeface="Cambria Math" panose="02040503050406030204" pitchFamily="18" charset="0"/>
+                        </a:rPr>
+                        <m:t>𝑅𝑏</m:t>
+                      </m:r>
+                    </m:oMath>
+                  </m:oMathPara>
+                </a14:m>
+                <a:endParaRPr lang="en-US" sz="1600" i="1" dirty="0">
+                  <a:latin typeface="Cambria Math" panose="02040503050406030204" pitchFamily="18" charset="0"/>
+                </a:endParaRPr>
+              </a:p>
+              <a:p>
+                <a:pPr/>
+                <a14:m>
+                  <m:oMathPara xmlns:m="http://schemas.openxmlformats.org/officeDocument/2006/math">
+                    <m:oMathParaPr>
+                      <m:jc m:val="left"/>
+                    </m:oMathParaPr>
+                    <m:oMath xmlns:m="http://schemas.openxmlformats.org/officeDocument/2006/math">
+                      <m:sSub>
+                        <m:sSubPr>
+                          <m:ctrlPr>
+                            <a:rPr lang="en-US" sz="1600" b="0" i="1" dirty="0" smtClean="0">
+                              <a:latin typeface="Cambria Math" panose="02040503050406030204" pitchFamily="18" charset="0"/>
+                            </a:rPr>
+                          </m:ctrlPr>
+                        </m:sSubPr>
+                        <m:e>
+                          <m:r>
+                            <a:rPr lang="en-US" sz="1600" i="1" dirty="0" smtClean="0">
+                              <a:latin typeface="Cambria Math" panose="02040503050406030204" pitchFamily="18" charset="0"/>
+                            </a:rPr>
+                            <m:t>𝐹</m:t>
+                          </m:r>
+                        </m:e>
+                        <m:sub>
+                          <m:r>
+                            <a:rPr lang="en-US" sz="1600" b="0" i="1" dirty="0" smtClean="0">
+                              <a:latin typeface="Cambria Math" panose="02040503050406030204" pitchFamily="18" charset="0"/>
+                            </a:rPr>
+                            <m:t>𝑔</m:t>
+                          </m:r>
+                        </m:sub>
+                      </m:sSub>
+                      <m:r>
+                        <a:rPr lang="en-US" sz="1600" i="1" dirty="0" smtClean="0">
+                          <a:latin typeface="Cambria Math" panose="02040503050406030204" pitchFamily="18" charset="0"/>
+                        </a:rPr>
+                        <m:t>=</m:t>
+                      </m:r>
+                      <m:r>
+                        <a:rPr lang="en-US" sz="1600" b="0" i="1" dirty="0" smtClean="0">
+                          <a:latin typeface="Cambria Math" panose="02040503050406030204" pitchFamily="18" charset="0"/>
+                        </a:rPr>
+                        <m:t>3</m:t>
+                      </m:r>
+                    </m:oMath>
+                  </m:oMathPara>
+                </a14:m>
+                <a:endParaRPr lang="en-US" sz="1600" dirty="0"/>
+              </a:p>
+            </p:txBody>
+          </p:sp>
+        </mc:Choice>
+        <mc:Fallback>
+          <p:sp>
+            <p:nvSpPr>
+              <p:cNvPr id="95" name="TextBox 94">
+                <a:extLst>
+                  <a:ext uri="{FF2B5EF4-FFF2-40B4-BE49-F238E27FC236}">
+                    <a16:creationId xmlns:a16="http://schemas.microsoft.com/office/drawing/2014/main" id="{1BF25ADA-CDCB-477C-8D75-E43B18268281}"/>
+                  </a:ext>
+                </a:extLst>
+              </p:cNvPr>
+              <p:cNvSpPr txBox="1">
+                <a:spLocks noRot="1" noChangeAspect="1" noMove="1" noResize="1" noEditPoints="1" noAdjustHandles="1" noChangeArrowheads="1" noChangeShapeType="1" noTextEdit="1"/>
+              </p:cNvSpPr>
+              <p:nvPr/>
+            </p:nvSpPr>
+            <p:spPr>
+              <a:xfrm>
+                <a:off x="27489437" y="18459634"/>
+                <a:ext cx="1003231" cy="604781"/>
+              </a:xfrm>
+              <a:prstGeom prst="rect">
+                <a:avLst/>
+              </a:prstGeom>
+              <a:blipFill>
+                <a:blip r:embed="rId20"/>
+                <a:stretch>
+                  <a:fillRect b="-2020"/>
+                </a:stretch>
+              </a:blipFill>
+            </p:spPr>
+            <p:txBody>
+              <a:bodyPr/>
+              <a:lstStyle/>
+              <a:p>
+                <a:r>
+                  <a:rPr lang="en-US">
+                    <a:noFill/>
+                  </a:rPr>
+                  <a:t> </a:t>
+                </a:r>
+              </a:p>
+            </p:txBody>
+          </p:sp>
+        </mc:Fallback>
+      </mc:AlternateContent>
+      <p:sp>
+        <p:nvSpPr>
+          <p:cNvPr id="96" name="TextBox 95">
+            <a:extLst>
+              <a:ext uri="{FF2B5EF4-FFF2-40B4-BE49-F238E27FC236}">
+                <a16:creationId xmlns:a16="http://schemas.microsoft.com/office/drawing/2014/main" id="{0C8503A5-F3CC-4A02-A131-8A67A5B356BE}"/>
+              </a:ext>
+            </a:extLst>
+          </p:cNvPr>
+          <p:cNvSpPr txBox="1"/>
+          <p:nvPr/>
+        </p:nvSpPr>
+        <p:spPr>
+          <a:xfrm>
+            <a:off x="18659582" y="15591677"/>
+            <a:ext cx="3594529" cy="400110"/>
+          </a:xfrm>
+          <a:prstGeom prst="rect">
+            <a:avLst/>
+          </a:prstGeom>
+          <a:noFill/>
+        </p:spPr>
+        <p:txBody>
+          <a:bodyPr wrap="square" rtlCol="0">
+            <a:spAutoFit/>
+          </a:bodyPr>
+          <a:lstStyle/>
+          <a:p>
+            <a:pPr/>
+            <a:r>
+              <a:rPr lang="en-US" sz="2000" dirty="0"/>
+              <a:t>Polarizing Beam Splitter</a:t>
+            </a:r>
+          </a:p>
+        </p:txBody>
+      </p:sp>
+      <p:sp>
+        <p:nvSpPr>
+          <p:cNvPr id="97" name="Flowchart: Merge 96">
+            <a:extLst>
+              <a:ext uri="{FF2B5EF4-FFF2-40B4-BE49-F238E27FC236}">
+                <a16:creationId xmlns:a16="http://schemas.microsoft.com/office/drawing/2014/main" id="{8ED6A888-DF5F-42D9-A668-CFA39360EE04}"/>
+              </a:ext>
+            </a:extLst>
+          </p:cNvPr>
+          <p:cNvSpPr/>
+          <p:nvPr/>
+        </p:nvSpPr>
+        <p:spPr>
+          <a:xfrm>
+            <a:off x="17664947" y="14273835"/>
+            <a:ext cx="352882" cy="356006"/>
+          </a:xfrm>
+          <a:prstGeom prst="flowChartMerge">
+            <a:avLst/>
+          </a:prstGeom>
+        </p:spPr>
+        <p:style>
+          <a:lnRef idx="2">
+            <a:schemeClr val="accent1">
+              <a:shade val="50000"/>
+            </a:schemeClr>
+          </a:lnRef>
+          <a:fillRef idx="1">
+            <a:schemeClr val="accent1"/>
+          </a:fillRef>
+          <a:effectRef idx="0">
+            <a:schemeClr val="accent1"/>
+          </a:effectRef>
+          <a:fontRef idx="minor">
+            <a:schemeClr val="lt1"/>
+          </a:fontRef>
+        </p:style>
+        <p:txBody>
+          <a:bodyPr rtlCol="0" anchor="ctr"/>
+          <a:lstStyle/>
+          <a:p>
+            <a:pPr algn="ctr"/>
+            <a:endParaRPr lang="en-US"/>
+          </a:p>
+        </p:txBody>
+      </p:sp>
+      <p:sp>
+        <p:nvSpPr>
+          <p:cNvPr id="121" name="Flowchart: Merge 120">
+            <a:extLst>
+              <a:ext uri="{FF2B5EF4-FFF2-40B4-BE49-F238E27FC236}">
+                <a16:creationId xmlns:a16="http://schemas.microsoft.com/office/drawing/2014/main" id="{1B0C8D54-BCE9-499D-A8F7-E55F9AE0B306}"/>
+              </a:ext>
+            </a:extLst>
+          </p:cNvPr>
+          <p:cNvSpPr/>
+          <p:nvPr/>
+        </p:nvSpPr>
+        <p:spPr>
+          <a:xfrm flipV="1">
+            <a:off x="17647931" y="10094763"/>
+            <a:ext cx="352882" cy="326525"/>
+          </a:xfrm>
+          <a:prstGeom prst="flowChartMerge">
+            <a:avLst/>
+          </a:prstGeom>
+        </p:spPr>
+        <p:style>
+          <a:lnRef idx="2">
+            <a:schemeClr val="accent1">
+              <a:shade val="50000"/>
+            </a:schemeClr>
+          </a:lnRef>
+          <a:fillRef idx="1">
+            <a:schemeClr val="accent1"/>
+          </a:fillRef>
+          <a:effectRef idx="0">
+            <a:schemeClr val="accent1"/>
+          </a:effectRef>
+          <a:fontRef idx="minor">
+            <a:schemeClr val="lt1"/>
+          </a:fontRef>
+        </p:style>
+        <p:txBody>
+          <a:bodyPr rtlCol="0" anchor="ctr"/>
+          <a:lstStyle/>
+          <a:p>
+            <a:pPr algn="ctr"/>
+            <a:endParaRPr lang="en-US"/>
+          </a:p>
+        </p:txBody>
+      </p:sp>
+      <p:sp>
+        <p:nvSpPr>
+          <p:cNvPr id="128" name="Flowchart: Merge 127">
+            <a:extLst>
+              <a:ext uri="{FF2B5EF4-FFF2-40B4-BE49-F238E27FC236}">
+                <a16:creationId xmlns:a16="http://schemas.microsoft.com/office/drawing/2014/main" id="{380F2688-540D-4FC3-8C76-12404AAC53DC}"/>
+              </a:ext>
+            </a:extLst>
+          </p:cNvPr>
+          <p:cNvSpPr/>
+          <p:nvPr/>
+        </p:nvSpPr>
+        <p:spPr>
+          <a:xfrm>
+            <a:off x="17664947" y="17452142"/>
+            <a:ext cx="352882" cy="356006"/>
+          </a:xfrm>
+          <a:prstGeom prst="flowChartMerge">
+            <a:avLst/>
+          </a:prstGeom>
+        </p:spPr>
+        <p:style>
+          <a:lnRef idx="2">
+            <a:schemeClr val="accent1">
+              <a:shade val="50000"/>
+            </a:schemeClr>
+          </a:lnRef>
+          <a:fillRef idx="1">
+            <a:schemeClr val="accent1"/>
+          </a:fillRef>
+          <a:effectRef idx="0">
+            <a:schemeClr val="accent1"/>
+          </a:effectRef>
+          <a:fontRef idx="minor">
+            <a:schemeClr val="lt1"/>
+          </a:fontRef>
+        </p:style>
+        <p:txBody>
+          <a:bodyPr rtlCol="0" anchor="ctr"/>
+          <a:lstStyle/>
+          <a:p>
+            <a:pPr algn="ctr"/>
+            <a:endParaRPr lang="en-US"/>
+          </a:p>
+        </p:txBody>
+      </p:sp>
+      <p:sp>
+        <p:nvSpPr>
+          <p:cNvPr id="130" name="Flowchart: Merge 129">
+            <a:extLst>
+              <a:ext uri="{FF2B5EF4-FFF2-40B4-BE49-F238E27FC236}">
+                <a16:creationId xmlns:a16="http://schemas.microsoft.com/office/drawing/2014/main" id="{9020416E-F69A-4E55-8561-EFEB63F2ACA9}"/>
+              </a:ext>
+            </a:extLst>
+          </p:cNvPr>
+          <p:cNvSpPr/>
+          <p:nvPr/>
+        </p:nvSpPr>
+        <p:spPr>
+          <a:xfrm rot="16200000">
+            <a:off x="16184401" y="16212617"/>
+            <a:ext cx="352882" cy="356006"/>
+          </a:xfrm>
+          <a:prstGeom prst="flowChartMerge">
+            <a:avLst/>
+          </a:prstGeom>
+        </p:spPr>
+        <p:style>
+          <a:lnRef idx="2">
+            <a:schemeClr val="accent1">
+              <a:shade val="50000"/>
+            </a:schemeClr>
+          </a:lnRef>
+          <a:fillRef idx="1">
+            <a:schemeClr val="accent1"/>
+          </a:fillRef>
+          <a:effectRef idx="0">
+            <a:schemeClr val="accent1"/>
+          </a:effectRef>
+          <a:fontRef idx="minor">
+            <a:schemeClr val="lt1"/>
+          </a:fontRef>
+        </p:style>
+        <p:txBody>
+          <a:bodyPr rtlCol="0" anchor="ctr"/>
+          <a:lstStyle/>
+          <a:p>
+            <a:pPr algn="ctr"/>
+            <a:endParaRPr lang="en-US"/>
+          </a:p>
+        </p:txBody>
+      </p:sp>
+      <p:sp>
+        <p:nvSpPr>
+          <p:cNvPr id="131" name="Flowchart: Merge 130">
+            <a:extLst>
+              <a:ext uri="{FF2B5EF4-FFF2-40B4-BE49-F238E27FC236}">
+                <a16:creationId xmlns:a16="http://schemas.microsoft.com/office/drawing/2014/main" id="{3DBD9F6F-848F-42C3-B07B-481D18E4283B}"/>
+              </a:ext>
+            </a:extLst>
+          </p:cNvPr>
+          <p:cNvSpPr/>
+          <p:nvPr/>
+        </p:nvSpPr>
+        <p:spPr>
+          <a:xfrm rot="16200000">
+            <a:off x="19322562" y="16212617"/>
+            <a:ext cx="352882" cy="356006"/>
+          </a:xfrm>
+          <a:prstGeom prst="flowChartMerge">
+            <a:avLst/>
+          </a:prstGeom>
+        </p:spPr>
+        <p:style>
+          <a:lnRef idx="2">
+            <a:schemeClr val="accent1">
+              <a:shade val="50000"/>
+            </a:schemeClr>
+          </a:lnRef>
+          <a:fillRef idx="1">
+            <a:schemeClr val="accent1"/>
+          </a:fillRef>
+          <a:effectRef idx="0">
+            <a:schemeClr val="accent1"/>
+          </a:effectRef>
+          <a:fontRef idx="minor">
+            <a:schemeClr val="lt1"/>
+          </a:fontRef>
+        </p:style>
+        <p:txBody>
+          <a:bodyPr rtlCol="0" anchor="ctr"/>
+          <a:lstStyle/>
+          <a:p>
+            <a:pPr algn="ctr"/>
+            <a:endParaRPr lang="en-US"/>
+          </a:p>
+        </p:txBody>
+      </p:sp>
+      <p:sp>
+        <p:nvSpPr>
+          <p:cNvPr id="133" name="Flowchart: Merge 132">
+            <a:extLst>
+              <a:ext uri="{FF2B5EF4-FFF2-40B4-BE49-F238E27FC236}">
+                <a16:creationId xmlns:a16="http://schemas.microsoft.com/office/drawing/2014/main" id="{861E2BD3-0304-48C6-8625-9ADDF736146F}"/>
+              </a:ext>
+            </a:extLst>
+          </p:cNvPr>
+          <p:cNvSpPr/>
+          <p:nvPr/>
+        </p:nvSpPr>
+        <p:spPr>
+          <a:xfrm rot="16200000">
+            <a:off x="24429923" y="16171977"/>
+            <a:ext cx="352882" cy="356006"/>
+          </a:xfrm>
+          <a:prstGeom prst="flowChartMerge">
+            <a:avLst/>
+          </a:prstGeom>
+        </p:spPr>
+        <p:style>
+          <a:lnRef idx="2">
+            <a:schemeClr val="accent1">
+              <a:shade val="50000"/>
+            </a:schemeClr>
+          </a:lnRef>
+          <a:fillRef idx="1">
+            <a:schemeClr val="accent1"/>
+          </a:fillRef>
+          <a:effectRef idx="0">
+            <a:schemeClr val="accent1"/>
+          </a:effectRef>
+          <a:fontRef idx="minor">
+            <a:schemeClr val="lt1"/>
+          </a:fontRef>
+        </p:style>
+        <p:txBody>
+          <a:bodyPr rtlCol="0" anchor="ctr"/>
+          <a:lstStyle/>
+          <a:p>
+            <a:pPr algn="ctr"/>
+            <a:endParaRPr lang="en-US"/>
+          </a:p>
+        </p:txBody>
+      </p:sp>
+      <p:sp>
+        <p:nvSpPr>
+          <p:cNvPr id="134" name="Flowchart: Merge 133">
+            <a:extLst>
+              <a:ext uri="{FF2B5EF4-FFF2-40B4-BE49-F238E27FC236}">
+                <a16:creationId xmlns:a16="http://schemas.microsoft.com/office/drawing/2014/main" id="{3ABB2D48-F2C3-4B19-B510-F4FCD9562DB2}"/>
+              </a:ext>
+            </a:extLst>
+          </p:cNvPr>
+          <p:cNvSpPr/>
+          <p:nvPr/>
+        </p:nvSpPr>
+        <p:spPr>
+          <a:xfrm rot="16200000">
+            <a:off x="28504263" y="16171977"/>
+            <a:ext cx="352882" cy="356006"/>
+          </a:xfrm>
+          <a:prstGeom prst="flowChartMerge">
+            <a:avLst/>
+          </a:prstGeom>
+        </p:spPr>
+        <p:style>
+          <a:lnRef idx="2">
+            <a:schemeClr val="accent1">
+              <a:shade val="50000"/>
+            </a:schemeClr>
+          </a:lnRef>
+          <a:fillRef idx="1">
+            <a:schemeClr val="accent1"/>
+          </a:fillRef>
+          <a:effectRef idx="0">
+            <a:schemeClr val="accent1"/>
+          </a:effectRef>
+          <a:fontRef idx="minor">
+            <a:schemeClr val="lt1"/>
+          </a:fontRef>
+        </p:style>
+        <p:txBody>
+          <a:bodyPr rtlCol="0" anchor="ctr"/>
+          <a:lstStyle/>
+          <a:p>
+            <a:pPr algn="ctr"/>
+            <a:endParaRPr lang="en-US"/>
+          </a:p>
+        </p:txBody>
+      </p:sp>
+      <p:cxnSp>
+        <p:nvCxnSpPr>
+          <p:cNvPr id="137" name="Connector: Elbow 136">
+            <a:extLst>
+              <a:ext uri="{FF2B5EF4-FFF2-40B4-BE49-F238E27FC236}">
+                <a16:creationId xmlns:a16="http://schemas.microsoft.com/office/drawing/2014/main" id="{A31D777C-B7D9-44D8-A412-91E58F223D66}"/>
+              </a:ext>
+            </a:extLst>
+          </p:cNvPr>
+          <p:cNvCxnSpPr>
+            <a:cxnSpLocks/>
+          </p:cNvCxnSpPr>
+          <p:nvPr/>
+        </p:nvCxnSpPr>
+        <p:spPr>
+          <a:xfrm rot="5400000">
+            <a:off x="22568048" y="22478502"/>
+            <a:ext cx="912318" cy="2329945"/>
+          </a:xfrm>
+          <a:prstGeom prst="bentConnector3">
+            <a:avLst>
+              <a:gd name="adj1" fmla="val 34966"/>
+            </a:avLst>
+          </a:prstGeom>
+          <a:ln w="152400"/>
+        </p:spPr>
+        <p:style>
+          <a:lnRef idx="1">
+            <a:schemeClr val="dk1"/>
+          </a:lnRef>
+          <a:fillRef idx="0">
+            <a:schemeClr val="dk1"/>
+          </a:fillRef>
+          <a:effectRef idx="0">
+            <a:schemeClr val="dk1"/>
+          </a:effectRef>
+          <a:fontRef idx="minor">
+            <a:schemeClr val="tx1"/>
+          </a:fontRef>
+        </p:style>
+      </p:cxnSp>
+      <p:pic>
+        <p:nvPicPr>
+          <p:cNvPr id="108" name="Picture 107" descr="Chart, line chart&#10;&#10;Description automatically generated">
+            <a:extLst>
+              <a:ext uri="{FF2B5EF4-FFF2-40B4-BE49-F238E27FC236}">
+                <a16:creationId xmlns:a16="http://schemas.microsoft.com/office/drawing/2014/main" id="{F6EBABE0-51FD-469C-B37C-46963AAB7396}"/>
+              </a:ext>
+            </a:extLst>
+          </p:cNvPr>
+          <p:cNvPicPr>
+            <a:picLocks noChangeAspect="1"/>
+          </p:cNvPicPr>
+          <p:nvPr/>
+        </p:nvPicPr>
+        <p:blipFill rotWithShape="1">
+          <a:blip r:embed="rId21">
+            <a:extLst>
+              <a:ext uri="{28A0092B-C50C-407E-A947-70E740481C1C}">
+                <a14:useLocalDpi xmlns:a14="http://schemas.microsoft.com/office/drawing/2010/main" val="0"/>
+              </a:ext>
+            </a:extLst>
+          </a:blip>
+          <a:srcRect l="13209" t="17037" r="10472" b="13138"/>
+          <a:stretch/>
+        </p:blipFill>
+        <p:spPr>
+          <a:xfrm>
+            <a:off x="3734859" y="24961837"/>
+            <a:ext cx="7840410" cy="2902599"/>
+          </a:xfrm>
+          <a:prstGeom prst="rect">
+            <a:avLst/>
+          </a:prstGeom>
+        </p:spPr>
+      </p:pic>
+      <p:sp>
+        <p:nvSpPr>
+          <p:cNvPr id="139" name="TextBox 138">
+            <a:extLst>
+              <a:ext uri="{FF2B5EF4-FFF2-40B4-BE49-F238E27FC236}">
+                <a16:creationId xmlns:a16="http://schemas.microsoft.com/office/drawing/2014/main" id="{2053CC60-7004-4EB4-9193-8F06600F590F}"/>
+              </a:ext>
+            </a:extLst>
+          </p:cNvPr>
+          <p:cNvSpPr txBox="1"/>
+          <p:nvPr/>
+        </p:nvSpPr>
+        <p:spPr>
+          <a:xfrm>
+            <a:off x="6876790" y="17943338"/>
+            <a:ext cx="6339136" cy="830997"/>
+          </a:xfrm>
+          <a:prstGeom prst="rect">
+            <a:avLst/>
+          </a:prstGeom>
+          <a:solidFill>
+            <a:schemeClr val="bg1"/>
+          </a:solidFill>
+          <a:ln w="76200">
+            <a:solidFill>
+              <a:schemeClr val="accent2"/>
+            </a:solidFill>
+          </a:ln>
+        </p:spPr>
+        <p:txBody>
+          <a:bodyPr wrap="square" rtlCol="0">
+            <a:spAutoFit/>
+          </a:bodyPr>
+          <a:lstStyle/>
+          <a:p>
+            <a:pPr algn="ctr"/>
+            <a:r>
+              <a:rPr lang="en-US" sz="4800" dirty="0">
+                <a:latin typeface="+mj-lt"/>
+              </a:rPr>
+              <a:t>Motivation</a:t>
+            </a:r>
+            <a:endParaRPr lang="en-US" dirty="0">
+              <a:latin typeface="+mj-lt"/>
+            </a:endParaRPr>
+          </a:p>
+        </p:txBody>
+      </p:sp>
+      <p:sp>
+        <p:nvSpPr>
+          <p:cNvPr id="144" name="TextBox 143">
+            <a:extLst>
+              <a:ext uri="{FF2B5EF4-FFF2-40B4-BE49-F238E27FC236}">
+                <a16:creationId xmlns:a16="http://schemas.microsoft.com/office/drawing/2014/main" id="{3F3273E7-7D57-4450-AE7B-ACADC48B6AF5}"/>
+              </a:ext>
+            </a:extLst>
+          </p:cNvPr>
+          <p:cNvSpPr txBox="1"/>
+          <p:nvPr/>
+        </p:nvSpPr>
+        <p:spPr>
+          <a:xfrm>
+            <a:off x="16011367" y="23855345"/>
+            <a:ext cx="10529680" cy="830997"/>
+          </a:xfrm>
+          <a:prstGeom prst="rect">
+            <a:avLst/>
+          </a:prstGeom>
+          <a:solidFill>
+            <a:schemeClr val="bg1"/>
+          </a:solidFill>
+          <a:ln w="76200">
+            <a:solidFill>
+              <a:schemeClr val="accent2"/>
+            </a:solidFill>
+          </a:ln>
+        </p:spPr>
+        <p:txBody>
+          <a:bodyPr wrap="square" rtlCol="0">
+            <a:spAutoFit/>
+          </a:bodyPr>
+          <a:lstStyle/>
+          <a:p>
+            <a:pPr algn="ctr"/>
+            <a:r>
+              <a:rPr lang="en-US" sz="4800" dirty="0">
+                <a:latin typeface="+mj-lt"/>
+              </a:rPr>
+              <a:t>Error Function Isolation </a:t>
+            </a:r>
+            <a:r>
+              <a:rPr lang="en-US" sz="4800">
+                <a:latin typeface="+mj-lt"/>
+              </a:rPr>
+              <a:t>and PID</a:t>
+            </a:r>
+            <a:endParaRPr lang="en-US" dirty="0">
+              <a:latin typeface="+mj-lt"/>
+            </a:endParaRPr>
+          </a:p>
+        </p:txBody>
+      </p:sp>
     </p:spTree>
     <p:extLst>
       <p:ext uri="{BB962C8B-B14F-4D97-AF65-F5344CB8AC3E}">
